--- a/docs/Pygame/GameAnalyse_GameX.pptx
+++ b/docs/Pygame/GameAnalyse_GameX.pptx
@@ -7,17 +7,18 @@
   <p:sldIdLst>
     <p:sldId id="256" r:id="rId2"/>
     <p:sldId id="257" r:id="rId3"/>
-    <p:sldId id="258" r:id="rId4"/>
-    <p:sldId id="259" r:id="rId5"/>
-    <p:sldId id="260" r:id="rId6"/>
-    <p:sldId id="261" r:id="rId7"/>
-    <p:sldId id="262" r:id="rId8"/>
-    <p:sldId id="263" r:id="rId9"/>
-    <p:sldId id="264" r:id="rId10"/>
-    <p:sldId id="265" r:id="rId11"/>
-    <p:sldId id="266" r:id="rId12"/>
-    <p:sldId id="267" r:id="rId13"/>
-    <p:sldId id="268" r:id="rId14"/>
+    <p:sldId id="269" r:id="rId4"/>
+    <p:sldId id="258" r:id="rId5"/>
+    <p:sldId id="259" r:id="rId6"/>
+    <p:sldId id="260" r:id="rId7"/>
+    <p:sldId id="261" r:id="rId8"/>
+    <p:sldId id="262" r:id="rId9"/>
+    <p:sldId id="263" r:id="rId10"/>
+    <p:sldId id="264" r:id="rId11"/>
+    <p:sldId id="265" r:id="rId12"/>
+    <p:sldId id="266" r:id="rId13"/>
+    <p:sldId id="267" r:id="rId14"/>
+    <p:sldId id="268" r:id="rId15"/>
   </p:sldIdLst>
   <p:sldSz cx="12192000" cy="6858000"/>
   <p:notesSz cx="6858000" cy="9144000"/>
@@ -174,7 +175,7 @@
           <a:noFill/>
           <a:extLst>
             <a:ext uri="{909E8E84-426E-40dd-AFC4-6F175D3DCCD1}">
-              <a14:hiddenFill xmlns="" xmlns:a14="http://schemas.microsoft.com/office/drawing/2010/main">
+              <a14:hiddenFill xmlns:a14="http://schemas.microsoft.com/office/drawing/2010/main" xmlns="">
                 <a:solidFill>
                   <a:srgbClr val="FFFFFF"/>
                 </a:solidFill>
@@ -234,7 +235,7 @@
             </a:ln>
             <a:extLst>
               <a:ext uri="{91240B29-F687-4f45-9708-019B960494DF}">
-                <a14:hiddenLine xmlns="" xmlns:a14="http://schemas.microsoft.com/office/drawing/2010/main" w="9525">
+                <a14:hiddenLine xmlns:a14="http://schemas.microsoft.com/office/drawing/2010/main" xmlns="" w="9525">
                   <a:solidFill>
                     <a:srgbClr val="000000"/>
                   </a:solidFill>
@@ -324,7 +325,7 @@
             </a:ln>
             <a:extLst>
               <a:ext uri="{91240B29-F687-4f45-9708-019B960494DF}">
-                <a14:hiddenLine xmlns="" xmlns:a14="http://schemas.microsoft.com/office/drawing/2010/main" w="9525">
+                <a14:hiddenLine xmlns:a14="http://schemas.microsoft.com/office/drawing/2010/main" xmlns="" w="9525">
                   <a:solidFill>
                     <a:srgbClr val="000000"/>
                   </a:solidFill>
@@ -414,7 +415,7 @@
             </a:ln>
             <a:extLst>
               <a:ext uri="{91240B29-F687-4f45-9708-019B960494DF}">
-                <a14:hiddenLine xmlns="" xmlns:a14="http://schemas.microsoft.com/office/drawing/2010/main" w="9525">
+                <a14:hiddenLine xmlns:a14="http://schemas.microsoft.com/office/drawing/2010/main" xmlns="" w="9525">
                   <a:solidFill>
                     <a:srgbClr val="000000"/>
                   </a:solidFill>
@@ -448,7 +449,7 @@
             </a:ln>
             <a:extLst>
               <a:ext uri="{91240B29-F687-4f45-9708-019B960494DF}">
-                <a14:hiddenLine xmlns="" xmlns:a14="http://schemas.microsoft.com/office/drawing/2010/main" w="9525">
+                <a14:hiddenLine xmlns:a14="http://schemas.microsoft.com/office/drawing/2010/main" xmlns="" w="9525">
                   <a:solidFill>
                     <a:srgbClr val="000000"/>
                   </a:solidFill>
@@ -538,7 +539,7 @@
             </a:ln>
             <a:extLst>
               <a:ext uri="{91240B29-F687-4f45-9708-019B960494DF}">
-                <a14:hiddenLine xmlns="" xmlns:a14="http://schemas.microsoft.com/office/drawing/2010/main" w="9525">
+                <a14:hiddenLine xmlns:a14="http://schemas.microsoft.com/office/drawing/2010/main" xmlns="" w="9525">
                   <a:solidFill>
                     <a:srgbClr val="000000"/>
                   </a:solidFill>
@@ -600,7 +601,7 @@
             </a:ln>
             <a:extLst>
               <a:ext uri="{91240B29-F687-4f45-9708-019B960494DF}">
-                <a14:hiddenLine xmlns="" xmlns:a14="http://schemas.microsoft.com/office/drawing/2010/main" w="9525">
+                <a14:hiddenLine xmlns:a14="http://schemas.microsoft.com/office/drawing/2010/main" xmlns="" w="9525">
                   <a:solidFill>
                     <a:srgbClr val="000000"/>
                   </a:solidFill>
@@ -662,7 +663,7 @@
             </a:ln>
             <a:extLst>
               <a:ext uri="{91240B29-F687-4f45-9708-019B960494DF}">
-                <a14:hiddenLine xmlns="" xmlns:a14="http://schemas.microsoft.com/office/drawing/2010/main" w="9525">
+                <a14:hiddenLine xmlns:a14="http://schemas.microsoft.com/office/drawing/2010/main" xmlns="" w="9525">
                   <a:solidFill>
                     <a:srgbClr val="000000"/>
                   </a:solidFill>
@@ -752,7 +753,7 @@
             </a:ln>
             <a:extLst>
               <a:ext uri="{91240B29-F687-4f45-9708-019B960494DF}">
-                <a14:hiddenLine xmlns="" xmlns:a14="http://schemas.microsoft.com/office/drawing/2010/main" w="9525">
+                <a14:hiddenLine xmlns:a14="http://schemas.microsoft.com/office/drawing/2010/main" xmlns="" w="9525">
                   <a:solidFill>
                     <a:srgbClr val="000000"/>
                   </a:solidFill>
@@ -814,7 +815,7 @@
             </a:ln>
             <a:extLst>
               <a:ext uri="{91240B29-F687-4f45-9708-019B960494DF}">
-                <a14:hiddenLine xmlns="" xmlns:a14="http://schemas.microsoft.com/office/drawing/2010/main" w="9525">
+                <a14:hiddenLine xmlns:a14="http://schemas.microsoft.com/office/drawing/2010/main" xmlns="" w="9525">
                   <a:solidFill>
                     <a:srgbClr val="000000"/>
                   </a:solidFill>
@@ -876,7 +877,7 @@
             </a:ln>
             <a:extLst>
               <a:ext uri="{91240B29-F687-4f45-9708-019B960494DF}">
-                <a14:hiddenLine xmlns="" xmlns:a14="http://schemas.microsoft.com/office/drawing/2010/main" w="9525">
+                <a14:hiddenLine xmlns:a14="http://schemas.microsoft.com/office/drawing/2010/main" xmlns="" w="9525">
                   <a:solidFill>
                     <a:srgbClr val="000000"/>
                   </a:solidFill>
@@ -966,7 +967,7 @@
             </a:ln>
             <a:extLst>
               <a:ext uri="{91240B29-F687-4f45-9708-019B960494DF}">
-                <a14:hiddenLine xmlns="" xmlns:a14="http://schemas.microsoft.com/office/drawing/2010/main" w="9525">
+                <a14:hiddenLine xmlns:a14="http://schemas.microsoft.com/office/drawing/2010/main" xmlns="" w="9525">
                   <a:solidFill>
                     <a:srgbClr val="000000"/>
                   </a:solidFill>
@@ -1056,7 +1057,7 @@
             </a:ln>
             <a:extLst>
               <a:ext uri="{91240B29-F687-4f45-9708-019B960494DF}">
-                <a14:hiddenLine xmlns="" xmlns:a14="http://schemas.microsoft.com/office/drawing/2010/main" w="9525">
+                <a14:hiddenLine xmlns:a14="http://schemas.microsoft.com/office/drawing/2010/main" xmlns="" w="9525">
                   <a:solidFill>
                     <a:srgbClr val="000000"/>
                   </a:solidFill>
@@ -1118,7 +1119,7 @@
             </a:ln>
             <a:extLst>
               <a:ext uri="{91240B29-F687-4f45-9708-019B960494DF}">
-                <a14:hiddenLine xmlns="" xmlns:a14="http://schemas.microsoft.com/office/drawing/2010/main" w="9525">
+                <a14:hiddenLine xmlns:a14="http://schemas.microsoft.com/office/drawing/2010/main" xmlns="" w="9525">
                   <a:solidFill>
                     <a:srgbClr val="000000"/>
                   </a:solidFill>
@@ -1228,7 +1229,7 @@
             </a:ln>
             <a:extLst>
               <a:ext uri="{91240B29-F687-4f45-9708-019B960494DF}">
-                <a14:hiddenLine xmlns="" xmlns:a14="http://schemas.microsoft.com/office/drawing/2010/main" w="9525">
+                <a14:hiddenLine xmlns:a14="http://schemas.microsoft.com/office/drawing/2010/main" xmlns="" w="9525">
                   <a:solidFill>
                     <a:srgbClr val="000000"/>
                   </a:solidFill>
@@ -1290,7 +1291,7 @@
             </a:ln>
             <a:extLst>
               <a:ext uri="{91240B29-F687-4f45-9708-019B960494DF}">
-                <a14:hiddenLine xmlns="" xmlns:a14="http://schemas.microsoft.com/office/drawing/2010/main" w="9525">
+                <a14:hiddenLine xmlns:a14="http://schemas.microsoft.com/office/drawing/2010/main" xmlns="" w="9525">
                   <a:solidFill>
                     <a:srgbClr val="000000"/>
                   </a:solidFill>
@@ -1380,7 +1381,7 @@
             </a:ln>
             <a:extLst>
               <a:ext uri="{91240B29-F687-4f45-9708-019B960494DF}">
-                <a14:hiddenLine xmlns="" xmlns:a14="http://schemas.microsoft.com/office/drawing/2010/main" w="9525">
+                <a14:hiddenLine xmlns:a14="http://schemas.microsoft.com/office/drawing/2010/main" xmlns="" w="9525">
                   <a:solidFill>
                     <a:srgbClr val="000000"/>
                   </a:solidFill>
@@ -1470,7 +1471,7 @@
             </a:ln>
             <a:extLst>
               <a:ext uri="{91240B29-F687-4f45-9708-019B960494DF}">
-                <a14:hiddenLine xmlns="" xmlns:a14="http://schemas.microsoft.com/office/drawing/2010/main" w="9525">
+                <a14:hiddenLine xmlns:a14="http://schemas.microsoft.com/office/drawing/2010/main" xmlns="" w="9525">
                   <a:solidFill>
                     <a:srgbClr val="000000"/>
                   </a:solidFill>
@@ -1532,7 +1533,7 @@
             </a:ln>
             <a:extLst>
               <a:ext uri="{91240B29-F687-4f45-9708-019B960494DF}">
-                <a14:hiddenLine xmlns="" xmlns:a14="http://schemas.microsoft.com/office/drawing/2010/main" w="9525">
+                <a14:hiddenLine xmlns:a14="http://schemas.microsoft.com/office/drawing/2010/main" xmlns="" w="9525">
                   <a:solidFill>
                     <a:srgbClr val="000000"/>
                   </a:solidFill>
@@ -1622,7 +1623,7 @@
             </a:ln>
             <a:extLst>
               <a:ext uri="{91240B29-F687-4f45-9708-019B960494DF}">
-                <a14:hiddenLine xmlns="" xmlns:a14="http://schemas.microsoft.com/office/drawing/2010/main" w="9525">
+                <a14:hiddenLine xmlns:a14="http://schemas.microsoft.com/office/drawing/2010/main" xmlns="" w="9525">
                   <a:solidFill>
                     <a:srgbClr val="000000"/>
                   </a:solidFill>
@@ -1712,7 +1713,7 @@
             </a:ln>
             <a:extLst>
               <a:ext uri="{91240B29-F687-4f45-9708-019B960494DF}">
-                <a14:hiddenLine xmlns="" xmlns:a14="http://schemas.microsoft.com/office/drawing/2010/main" w="9525">
+                <a14:hiddenLine xmlns:a14="http://schemas.microsoft.com/office/drawing/2010/main" xmlns="" w="9525">
                   <a:solidFill>
                     <a:srgbClr val="000000"/>
                   </a:solidFill>
@@ -1768,7 +1769,7 @@
             </a:ln>
             <a:extLst>
               <a:ext uri="{91240B29-F687-4f45-9708-019B960494DF}">
-                <a14:hiddenLine xmlns="" xmlns:a14="http://schemas.microsoft.com/office/drawing/2010/main" w="9525">
+                <a14:hiddenLine xmlns:a14="http://schemas.microsoft.com/office/drawing/2010/main" xmlns="" w="9525">
                   <a:solidFill>
                     <a:srgbClr val="000000"/>
                   </a:solidFill>
@@ -1858,7 +1859,7 @@
             </a:ln>
             <a:extLst>
               <a:ext uri="{91240B29-F687-4f45-9708-019B960494DF}">
-                <a14:hiddenLine xmlns="" xmlns:a14="http://schemas.microsoft.com/office/drawing/2010/main" w="9525">
+                <a14:hiddenLine xmlns:a14="http://schemas.microsoft.com/office/drawing/2010/main" xmlns="" w="9525">
                   <a:solidFill>
                     <a:srgbClr val="000000"/>
                   </a:solidFill>
@@ -1914,7 +1915,7 @@
             </a:ln>
             <a:extLst>
               <a:ext uri="{91240B29-F687-4f45-9708-019B960494DF}">
-                <a14:hiddenLine xmlns="" xmlns:a14="http://schemas.microsoft.com/office/drawing/2010/main" w="9525">
+                <a14:hiddenLine xmlns:a14="http://schemas.microsoft.com/office/drawing/2010/main" xmlns="" w="9525">
                   <a:solidFill>
                     <a:srgbClr val="000000"/>
                   </a:solidFill>
@@ -2004,7 +2005,7 @@
             </a:ln>
             <a:extLst>
               <a:ext uri="{91240B29-F687-4f45-9708-019B960494DF}">
-                <a14:hiddenLine xmlns="" xmlns:a14="http://schemas.microsoft.com/office/drawing/2010/main" w="9525">
+                <a14:hiddenLine xmlns:a14="http://schemas.microsoft.com/office/drawing/2010/main" xmlns="" w="9525">
                   <a:solidFill>
                     <a:srgbClr val="000000"/>
                   </a:solidFill>
@@ -2072,7 +2073,7 @@
             </a:ln>
             <a:extLst>
               <a:ext uri="{91240B29-F687-4f45-9708-019B960494DF}">
-                <a14:hiddenLine xmlns="" xmlns:a14="http://schemas.microsoft.com/office/drawing/2010/main" w="9525">
+                <a14:hiddenLine xmlns:a14="http://schemas.microsoft.com/office/drawing/2010/main" xmlns="" w="9525">
                   <a:solidFill>
                     <a:srgbClr val="000000"/>
                   </a:solidFill>
@@ -2162,7 +2163,7 @@
             </a:ln>
             <a:extLst>
               <a:ext uri="{91240B29-F687-4f45-9708-019B960494DF}">
-                <a14:hiddenLine xmlns="" xmlns:a14="http://schemas.microsoft.com/office/drawing/2010/main" w="9525">
+                <a14:hiddenLine xmlns:a14="http://schemas.microsoft.com/office/drawing/2010/main" xmlns="" w="9525">
                   <a:solidFill>
                     <a:srgbClr val="000000"/>
                   </a:solidFill>
@@ -2230,7 +2231,7 @@
             </a:ln>
             <a:extLst>
               <a:ext uri="{91240B29-F687-4f45-9708-019B960494DF}">
-                <a14:hiddenLine xmlns="" xmlns:a14="http://schemas.microsoft.com/office/drawing/2010/main" w="9525">
+                <a14:hiddenLine xmlns:a14="http://schemas.microsoft.com/office/drawing/2010/main" xmlns="" w="9525">
                   <a:solidFill>
                     <a:srgbClr val="000000"/>
                   </a:solidFill>
@@ -2320,7 +2321,7 @@
             </a:ln>
             <a:extLst>
               <a:ext uri="{91240B29-F687-4f45-9708-019B960494DF}">
-                <a14:hiddenLine xmlns="" xmlns:a14="http://schemas.microsoft.com/office/drawing/2010/main" w="9525">
+                <a14:hiddenLine xmlns:a14="http://schemas.microsoft.com/office/drawing/2010/main" xmlns="" w="9525">
                   <a:solidFill>
                     <a:srgbClr val="000000"/>
                   </a:solidFill>
@@ -2354,7 +2355,7 @@
             </a:ln>
             <a:extLst>
               <a:ext uri="{91240B29-F687-4f45-9708-019B960494DF}">
-                <a14:hiddenLine xmlns="" xmlns:a14="http://schemas.microsoft.com/office/drawing/2010/main" w="9525">
+                <a14:hiddenLine xmlns:a14="http://schemas.microsoft.com/office/drawing/2010/main" xmlns="" w="9525">
                   <a:solidFill>
                     <a:srgbClr val="000000"/>
                   </a:solidFill>
@@ -2444,7 +2445,7 @@
             </a:ln>
             <a:extLst>
               <a:ext uri="{91240B29-F687-4f45-9708-019B960494DF}">
-                <a14:hiddenLine xmlns="" xmlns:a14="http://schemas.microsoft.com/office/drawing/2010/main" w="9525">
+                <a14:hiddenLine xmlns:a14="http://schemas.microsoft.com/office/drawing/2010/main" xmlns="" w="9525">
                   <a:solidFill>
                     <a:srgbClr val="000000"/>
                   </a:solidFill>
@@ -2506,7 +2507,7 @@
             </a:ln>
             <a:extLst>
               <a:ext uri="{91240B29-F687-4f45-9708-019B960494DF}">
-                <a14:hiddenLine xmlns="" xmlns:a14="http://schemas.microsoft.com/office/drawing/2010/main" w="9525">
+                <a14:hiddenLine xmlns:a14="http://schemas.microsoft.com/office/drawing/2010/main" xmlns="" w="9525">
                   <a:solidFill>
                     <a:srgbClr val="000000"/>
                   </a:solidFill>
@@ -2568,7 +2569,7 @@
             </a:ln>
             <a:extLst>
               <a:ext uri="{91240B29-F687-4f45-9708-019B960494DF}">
-                <a14:hiddenLine xmlns="" xmlns:a14="http://schemas.microsoft.com/office/drawing/2010/main" w="9525">
+                <a14:hiddenLine xmlns:a14="http://schemas.microsoft.com/office/drawing/2010/main" xmlns="" w="9525">
                   <a:solidFill>
                     <a:srgbClr val="000000"/>
                   </a:solidFill>
@@ -2658,7 +2659,7 @@
             </a:ln>
             <a:extLst>
               <a:ext uri="{91240B29-F687-4f45-9708-019B960494DF}">
-                <a14:hiddenLine xmlns="" xmlns:a14="http://schemas.microsoft.com/office/drawing/2010/main" w="9525">
+                <a14:hiddenLine xmlns:a14="http://schemas.microsoft.com/office/drawing/2010/main" xmlns="" w="9525">
                   <a:solidFill>
                     <a:srgbClr val="000000"/>
                   </a:solidFill>
@@ -2726,7 +2727,7 @@
             </a:ln>
             <a:extLst>
               <a:ext uri="{91240B29-F687-4f45-9708-019B960494DF}">
-                <a14:hiddenLine xmlns="" xmlns:a14="http://schemas.microsoft.com/office/drawing/2010/main" w="9525">
+                <a14:hiddenLine xmlns:a14="http://schemas.microsoft.com/office/drawing/2010/main" xmlns="" w="9525">
                   <a:solidFill>
                     <a:srgbClr val="000000"/>
                   </a:solidFill>
@@ -2788,7 +2789,7 @@
             </a:ln>
             <a:extLst>
               <a:ext uri="{91240B29-F687-4f45-9708-019B960494DF}">
-                <a14:hiddenLine xmlns="" xmlns:a14="http://schemas.microsoft.com/office/drawing/2010/main" w="9525">
+                <a14:hiddenLine xmlns:a14="http://schemas.microsoft.com/office/drawing/2010/main" xmlns="" w="9525">
                   <a:solidFill>
                     <a:srgbClr val="000000"/>
                   </a:solidFill>
@@ -2878,7 +2879,7 @@
             </a:ln>
             <a:extLst>
               <a:ext uri="{91240B29-F687-4f45-9708-019B960494DF}">
-                <a14:hiddenLine xmlns="" xmlns:a14="http://schemas.microsoft.com/office/drawing/2010/main" w="9525">
+                <a14:hiddenLine xmlns:a14="http://schemas.microsoft.com/office/drawing/2010/main" xmlns="" w="9525">
                   <a:solidFill>
                     <a:srgbClr val="000000"/>
                   </a:solidFill>
@@ -2940,7 +2941,7 @@
             </a:ln>
             <a:extLst>
               <a:ext uri="{91240B29-F687-4f45-9708-019B960494DF}">
-                <a14:hiddenLine xmlns="" xmlns:a14="http://schemas.microsoft.com/office/drawing/2010/main" w="9525">
+                <a14:hiddenLine xmlns:a14="http://schemas.microsoft.com/office/drawing/2010/main" xmlns="" w="9525">
                   <a:solidFill>
                     <a:srgbClr val="000000"/>
                   </a:solidFill>
@@ -3030,7 +3031,7 @@
             </a:ln>
             <a:extLst>
               <a:ext uri="{91240B29-F687-4f45-9708-019B960494DF}">
-                <a14:hiddenLine xmlns="" xmlns:a14="http://schemas.microsoft.com/office/drawing/2010/main" w="9525">
+                <a14:hiddenLine xmlns:a14="http://schemas.microsoft.com/office/drawing/2010/main" xmlns="" w="9525">
                   <a:solidFill>
                     <a:srgbClr val="000000"/>
                   </a:solidFill>
@@ -3092,7 +3093,7 @@
             </a:ln>
             <a:extLst>
               <a:ext uri="{91240B29-F687-4f45-9708-019B960494DF}">
-                <a14:hiddenLine xmlns="" xmlns:a14="http://schemas.microsoft.com/office/drawing/2010/main" w="9525">
+                <a14:hiddenLine xmlns:a14="http://schemas.microsoft.com/office/drawing/2010/main" xmlns="" w="9525">
                   <a:solidFill>
                     <a:srgbClr val="000000"/>
                   </a:solidFill>
@@ -3182,7 +3183,7 @@
             </a:ln>
             <a:extLst>
               <a:ext uri="{91240B29-F687-4f45-9708-019B960494DF}">
-                <a14:hiddenLine xmlns="" xmlns:a14="http://schemas.microsoft.com/office/drawing/2010/main" w="9525">
+                <a14:hiddenLine xmlns:a14="http://schemas.microsoft.com/office/drawing/2010/main" xmlns="" w="9525">
                   <a:solidFill>
                     <a:srgbClr val="000000"/>
                   </a:solidFill>
@@ -3216,7 +3217,7 @@
             </a:ln>
             <a:extLst>
               <a:ext uri="{91240B29-F687-4f45-9708-019B960494DF}">
-                <a14:hiddenLine xmlns="" xmlns:a14="http://schemas.microsoft.com/office/drawing/2010/main" w="9525">
+                <a14:hiddenLine xmlns:a14="http://schemas.microsoft.com/office/drawing/2010/main" xmlns="" w="9525">
                   <a:solidFill>
                     <a:srgbClr val="000000"/>
                   </a:solidFill>
@@ -3281,7 +3282,7 @@
             </a:ln>
             <a:extLst>
               <a:ext uri="{91240B29-F687-4f45-9708-019B960494DF}">
-                <a14:hiddenLine xmlns="" xmlns:a14="http://schemas.microsoft.com/office/drawing/2010/main" w="9525">
+                <a14:hiddenLine xmlns:a14="http://schemas.microsoft.com/office/drawing/2010/main" xmlns="" w="9525">
                   <a:solidFill>
                     <a:srgbClr val="000000"/>
                   </a:solidFill>
@@ -3371,7 +3372,7 @@
             </a:ln>
             <a:extLst>
               <a:ext uri="{91240B29-F687-4f45-9708-019B960494DF}">
-                <a14:hiddenLine xmlns="" xmlns:a14="http://schemas.microsoft.com/office/drawing/2010/main" w="9525">
+                <a14:hiddenLine xmlns:a14="http://schemas.microsoft.com/office/drawing/2010/main" xmlns="" w="9525">
                   <a:solidFill>
                     <a:srgbClr val="000000"/>
                   </a:solidFill>
@@ -3433,7 +3434,7 @@
             </a:ln>
             <a:extLst>
               <a:ext uri="{91240B29-F687-4f45-9708-019B960494DF}">
-                <a14:hiddenLine xmlns="" xmlns:a14="http://schemas.microsoft.com/office/drawing/2010/main" w="9525">
+                <a14:hiddenLine xmlns:a14="http://schemas.microsoft.com/office/drawing/2010/main" xmlns="" w="9525">
                   <a:solidFill>
                     <a:srgbClr val="000000"/>
                   </a:solidFill>
@@ -3523,7 +3524,7 @@
             </a:ln>
             <a:extLst>
               <a:ext uri="{91240B29-F687-4f45-9708-019B960494DF}">
-                <a14:hiddenLine xmlns="" xmlns:a14="http://schemas.microsoft.com/office/drawing/2010/main" w="9525">
+                <a14:hiddenLine xmlns:a14="http://schemas.microsoft.com/office/drawing/2010/main" xmlns="" w="9525">
                   <a:solidFill>
                     <a:srgbClr val="000000"/>
                   </a:solidFill>
@@ -3613,7 +3614,7 @@
             </a:ln>
             <a:extLst>
               <a:ext uri="{91240B29-F687-4f45-9708-019B960494DF}">
-                <a14:hiddenLine xmlns="" xmlns:a14="http://schemas.microsoft.com/office/drawing/2010/main" w="9525">
+                <a14:hiddenLine xmlns:a14="http://schemas.microsoft.com/office/drawing/2010/main" xmlns="" w="9525">
                   <a:solidFill>
                     <a:srgbClr val="000000"/>
                   </a:solidFill>
@@ -3678,7 +3679,7 @@
             </a:ln>
             <a:extLst>
               <a:ext uri="{91240B29-F687-4f45-9708-019B960494DF}">
-                <a14:hiddenLine xmlns="" xmlns:a14="http://schemas.microsoft.com/office/drawing/2010/main" w="9525">
+                <a14:hiddenLine xmlns:a14="http://schemas.microsoft.com/office/drawing/2010/main" xmlns="" w="9525">
                   <a:solidFill>
                     <a:srgbClr val="000000"/>
                   </a:solidFill>
@@ -3740,7 +3741,7 @@
             </a:ln>
             <a:extLst>
               <a:ext uri="{91240B29-F687-4f45-9708-019B960494DF}">
-                <a14:hiddenLine xmlns="" xmlns:a14="http://schemas.microsoft.com/office/drawing/2010/main" w="9525">
+                <a14:hiddenLine xmlns:a14="http://schemas.microsoft.com/office/drawing/2010/main" xmlns="" w="9525">
                   <a:solidFill>
                     <a:srgbClr val="000000"/>
                   </a:solidFill>
@@ -3830,7 +3831,7 @@
             </a:ln>
             <a:extLst>
               <a:ext uri="{91240B29-F687-4f45-9708-019B960494DF}">
-                <a14:hiddenLine xmlns="" xmlns:a14="http://schemas.microsoft.com/office/drawing/2010/main" w="9525">
+                <a14:hiddenLine xmlns:a14="http://schemas.microsoft.com/office/drawing/2010/main" xmlns="" w="9525">
                   <a:solidFill>
                     <a:srgbClr val="000000"/>
                   </a:solidFill>
@@ -3920,7 +3921,7 @@
             </a:ln>
             <a:extLst>
               <a:ext uri="{91240B29-F687-4f45-9708-019B960494DF}">
-                <a14:hiddenLine xmlns="" xmlns:a14="http://schemas.microsoft.com/office/drawing/2010/main" w="9525">
+                <a14:hiddenLine xmlns:a14="http://schemas.microsoft.com/office/drawing/2010/main" xmlns="" w="9525">
                   <a:solidFill>
                     <a:srgbClr val="000000"/>
                   </a:solidFill>
@@ -3982,7 +3983,7 @@
             </a:ln>
             <a:extLst>
               <a:ext uri="{91240B29-F687-4f45-9708-019B960494DF}">
-                <a14:hiddenLine xmlns="" xmlns:a14="http://schemas.microsoft.com/office/drawing/2010/main" w="9525">
+                <a14:hiddenLine xmlns:a14="http://schemas.microsoft.com/office/drawing/2010/main" xmlns="" w="9525">
                   <a:solidFill>
                     <a:srgbClr val="000000"/>
                   </a:solidFill>
@@ -4102,7 +4103,7 @@
             </a:ln>
             <a:extLst>
               <a:ext uri="{91240B29-F687-4f45-9708-019B960494DF}">
-                <a14:hiddenLine xmlns="" xmlns:a14="http://schemas.microsoft.com/office/drawing/2010/main" w="9525">
+                <a14:hiddenLine xmlns:a14="http://schemas.microsoft.com/office/drawing/2010/main" xmlns="" w="9525">
                   <a:solidFill>
                     <a:srgbClr val="000000"/>
                   </a:solidFill>
@@ -4170,7 +4171,7 @@
             </a:ln>
             <a:extLst>
               <a:ext uri="{91240B29-F687-4f45-9708-019B960494DF}">
-                <a14:hiddenLine xmlns="" xmlns:a14="http://schemas.microsoft.com/office/drawing/2010/main" w="9525">
+                <a14:hiddenLine xmlns:a14="http://schemas.microsoft.com/office/drawing/2010/main" xmlns="" w="9525">
                   <a:solidFill>
                     <a:srgbClr val="000000"/>
                   </a:solidFill>
@@ -4260,7 +4261,7 @@
             </a:ln>
             <a:extLst>
               <a:ext uri="{91240B29-F687-4f45-9708-019B960494DF}">
-                <a14:hiddenLine xmlns="" xmlns:a14="http://schemas.microsoft.com/office/drawing/2010/main" w="9525">
+                <a14:hiddenLine xmlns:a14="http://schemas.microsoft.com/office/drawing/2010/main" xmlns="" w="9525">
                   <a:solidFill>
                     <a:srgbClr val="000000"/>
                   </a:solidFill>
@@ -8982,7 +8983,7 @@
           <a:noFill/>
           <a:extLst>
             <a:ext uri="{909E8E84-426E-40dd-AFC4-6F175D3DCCD1}">
-              <a14:hiddenFill xmlns="" xmlns:a14="http://schemas.microsoft.com/office/drawing/2010/main">
+              <a14:hiddenFill xmlns:a14="http://schemas.microsoft.com/office/drawing/2010/main" xmlns="">
                 <a:solidFill>
                   <a:srgbClr val="FFFFFF"/>
                 </a:solidFill>
@@ -9056,7 +9057,7 @@
               </a:ln>
               <a:extLst>
                 <a:ext uri="{91240B29-F687-4f45-9708-019B960494DF}">
-                  <a14:hiddenLine xmlns="" xmlns:a14="http://schemas.microsoft.com/office/drawing/2010/main" w="9525">
+                  <a14:hiddenLine xmlns:a14="http://schemas.microsoft.com/office/drawing/2010/main" xmlns="" w="9525">
                     <a:solidFill>
                       <a:srgbClr val="000000"/>
                     </a:solidFill>
@@ -9146,7 +9147,7 @@
               </a:ln>
               <a:extLst>
                 <a:ext uri="{91240B29-F687-4f45-9708-019B960494DF}">
-                  <a14:hiddenLine xmlns="" xmlns:a14="http://schemas.microsoft.com/office/drawing/2010/main" w="9525">
+                  <a14:hiddenLine xmlns:a14="http://schemas.microsoft.com/office/drawing/2010/main" xmlns="" w="9525">
                     <a:solidFill>
                       <a:srgbClr val="000000"/>
                     </a:solidFill>
@@ -9236,7 +9237,7 @@
               </a:ln>
               <a:extLst>
                 <a:ext uri="{91240B29-F687-4f45-9708-019B960494DF}">
-                  <a14:hiddenLine xmlns="" xmlns:a14="http://schemas.microsoft.com/office/drawing/2010/main" w="9525">
+                  <a14:hiddenLine xmlns:a14="http://schemas.microsoft.com/office/drawing/2010/main" xmlns="" w="9525">
                     <a:solidFill>
                       <a:srgbClr val="000000"/>
                     </a:solidFill>
@@ -9298,7 +9299,7 @@
               </a:ln>
               <a:extLst>
                 <a:ext uri="{91240B29-F687-4f45-9708-019B960494DF}">
-                  <a14:hiddenLine xmlns="" xmlns:a14="http://schemas.microsoft.com/office/drawing/2010/main" w="9525">
+                  <a14:hiddenLine xmlns:a14="http://schemas.microsoft.com/office/drawing/2010/main" xmlns="" w="9525">
                     <a:solidFill>
                       <a:srgbClr val="000000"/>
                     </a:solidFill>
@@ -9388,7 +9389,7 @@
               </a:ln>
               <a:extLst>
                 <a:ext uri="{91240B29-F687-4f45-9708-019B960494DF}">
-                  <a14:hiddenLine xmlns="" xmlns:a14="http://schemas.microsoft.com/office/drawing/2010/main" w="9525">
+                  <a14:hiddenLine xmlns:a14="http://schemas.microsoft.com/office/drawing/2010/main" xmlns="" w="9525">
                     <a:solidFill>
                       <a:srgbClr val="000000"/>
                     </a:solidFill>
@@ -9450,7 +9451,7 @@
               </a:ln>
               <a:extLst>
                 <a:ext uri="{91240B29-F687-4f45-9708-019B960494DF}">
-                  <a14:hiddenLine xmlns="" xmlns:a14="http://schemas.microsoft.com/office/drawing/2010/main" w="9525">
+                  <a14:hiddenLine xmlns:a14="http://schemas.microsoft.com/office/drawing/2010/main" xmlns="" w="9525">
                     <a:solidFill>
                       <a:srgbClr val="000000"/>
                     </a:solidFill>
@@ -9512,7 +9513,7 @@
               </a:ln>
               <a:extLst>
                 <a:ext uri="{91240B29-F687-4f45-9708-019B960494DF}">
-                  <a14:hiddenLine xmlns="" xmlns:a14="http://schemas.microsoft.com/office/drawing/2010/main" w="9525">
+                  <a14:hiddenLine xmlns:a14="http://schemas.microsoft.com/office/drawing/2010/main" xmlns="" w="9525">
                     <a:solidFill>
                       <a:srgbClr val="000000"/>
                     </a:solidFill>
@@ -9602,7 +9603,7 @@
               </a:ln>
               <a:extLst>
                 <a:ext uri="{91240B29-F687-4f45-9708-019B960494DF}">
-                  <a14:hiddenLine xmlns="" xmlns:a14="http://schemas.microsoft.com/office/drawing/2010/main" w="9525">
+                  <a14:hiddenLine xmlns:a14="http://schemas.microsoft.com/office/drawing/2010/main" xmlns="" w="9525">
                     <a:solidFill>
                       <a:srgbClr val="000000"/>
                     </a:solidFill>
@@ -9692,7 +9693,7 @@
               </a:ln>
               <a:extLst>
                 <a:ext uri="{91240B29-F687-4f45-9708-019B960494DF}">
-                  <a14:hiddenLine xmlns="" xmlns:a14="http://schemas.microsoft.com/office/drawing/2010/main" w="9525">
+                  <a14:hiddenLine xmlns:a14="http://schemas.microsoft.com/office/drawing/2010/main" xmlns="" w="9525">
                     <a:solidFill>
                       <a:srgbClr val="000000"/>
                     </a:solidFill>
@@ -9754,7 +9755,7 @@
               </a:ln>
               <a:extLst>
                 <a:ext uri="{91240B29-F687-4f45-9708-019B960494DF}">
-                  <a14:hiddenLine xmlns="" xmlns:a14="http://schemas.microsoft.com/office/drawing/2010/main" w="9525">
+                  <a14:hiddenLine xmlns:a14="http://schemas.microsoft.com/office/drawing/2010/main" xmlns="" w="9525">
                     <a:solidFill>
                       <a:srgbClr val="000000"/>
                     </a:solidFill>
@@ -9864,7 +9865,7 @@
               </a:ln>
               <a:extLst>
                 <a:ext uri="{91240B29-F687-4f45-9708-019B960494DF}">
-                  <a14:hiddenLine xmlns="" xmlns:a14="http://schemas.microsoft.com/office/drawing/2010/main" w="9525">
+                  <a14:hiddenLine xmlns:a14="http://schemas.microsoft.com/office/drawing/2010/main" xmlns="" w="9525">
                     <a:solidFill>
                       <a:srgbClr val="000000"/>
                     </a:solidFill>
@@ -9948,7 +9949,7 @@
               </a:ln>
               <a:extLst>
                 <a:ext uri="{91240B29-F687-4f45-9708-019B960494DF}">
-                  <a14:hiddenLine xmlns="" xmlns:a14="http://schemas.microsoft.com/office/drawing/2010/main" w="9525">
+                  <a14:hiddenLine xmlns:a14="http://schemas.microsoft.com/office/drawing/2010/main" xmlns="" w="9525">
                     <a:solidFill>
                       <a:srgbClr val="000000"/>
                     </a:solidFill>
@@ -10010,7 +10011,7 @@
               </a:ln>
               <a:extLst>
                 <a:ext uri="{91240B29-F687-4f45-9708-019B960494DF}">
-                  <a14:hiddenLine xmlns="" xmlns:a14="http://schemas.microsoft.com/office/drawing/2010/main" w="9525">
+                  <a14:hiddenLine xmlns:a14="http://schemas.microsoft.com/office/drawing/2010/main" xmlns="" w="9525">
                     <a:solidFill>
                       <a:srgbClr val="000000"/>
                     </a:solidFill>
@@ -10072,7 +10073,7 @@
               </a:ln>
               <a:extLst>
                 <a:ext uri="{91240B29-F687-4f45-9708-019B960494DF}">
-                  <a14:hiddenLine xmlns="" xmlns:a14="http://schemas.microsoft.com/office/drawing/2010/main" w="9525">
+                  <a14:hiddenLine xmlns:a14="http://schemas.microsoft.com/office/drawing/2010/main" xmlns="" w="9525">
                     <a:solidFill>
                       <a:srgbClr val="000000"/>
                     </a:solidFill>
@@ -10162,7 +10163,7 @@
               </a:ln>
               <a:extLst>
                 <a:ext uri="{91240B29-F687-4f45-9708-019B960494DF}">
-                  <a14:hiddenLine xmlns="" xmlns:a14="http://schemas.microsoft.com/office/drawing/2010/main" w="9525">
+                  <a14:hiddenLine xmlns:a14="http://schemas.microsoft.com/office/drawing/2010/main" xmlns="" w="9525">
                     <a:solidFill>
                       <a:srgbClr val="000000"/>
                     </a:solidFill>
@@ -10196,7 +10197,7 @@
               </a:ln>
               <a:extLst>
                 <a:ext uri="{91240B29-F687-4f45-9708-019B960494DF}">
-                  <a14:hiddenLine xmlns="" xmlns:a14="http://schemas.microsoft.com/office/drawing/2010/main" w="9525">
+                  <a14:hiddenLine xmlns:a14="http://schemas.microsoft.com/office/drawing/2010/main" xmlns="" w="9525">
                     <a:solidFill>
                       <a:srgbClr val="000000"/>
                     </a:solidFill>
@@ -10261,7 +10262,7 @@
               </a:ln>
               <a:extLst>
                 <a:ext uri="{91240B29-F687-4f45-9708-019B960494DF}">
-                  <a14:hiddenLine xmlns="" xmlns:a14="http://schemas.microsoft.com/office/drawing/2010/main" w="9525">
+                  <a14:hiddenLine xmlns:a14="http://schemas.microsoft.com/office/drawing/2010/main" xmlns="" w="9525">
                     <a:solidFill>
                       <a:srgbClr val="000000"/>
                     </a:solidFill>
@@ -10351,7 +10352,7 @@
               </a:ln>
               <a:extLst>
                 <a:ext uri="{91240B29-F687-4f45-9708-019B960494DF}">
-                  <a14:hiddenLine xmlns="" xmlns:a14="http://schemas.microsoft.com/office/drawing/2010/main" w="9525">
+                  <a14:hiddenLine xmlns:a14="http://schemas.microsoft.com/office/drawing/2010/main" xmlns="" w="9525">
                     <a:solidFill>
                       <a:srgbClr val="000000"/>
                     </a:solidFill>
@@ -10413,7 +10414,7 @@
               </a:ln>
               <a:extLst>
                 <a:ext uri="{91240B29-F687-4f45-9708-019B960494DF}">
-                  <a14:hiddenLine xmlns="" xmlns:a14="http://schemas.microsoft.com/office/drawing/2010/main" w="9525">
+                  <a14:hiddenLine xmlns:a14="http://schemas.microsoft.com/office/drawing/2010/main" xmlns="" w="9525">
                     <a:solidFill>
                       <a:srgbClr val="000000"/>
                     </a:solidFill>
@@ -10503,7 +10504,7 @@
               </a:ln>
               <a:extLst>
                 <a:ext uri="{91240B29-F687-4f45-9708-019B960494DF}">
-                  <a14:hiddenLine xmlns="" xmlns:a14="http://schemas.microsoft.com/office/drawing/2010/main" w="9525">
+                  <a14:hiddenLine xmlns:a14="http://schemas.microsoft.com/office/drawing/2010/main" xmlns="" w="9525">
                     <a:solidFill>
                       <a:srgbClr val="000000"/>
                     </a:solidFill>
@@ -10568,7 +10569,7 @@
               </a:ln>
               <a:extLst>
                 <a:ext uri="{91240B29-F687-4f45-9708-019B960494DF}">
-                  <a14:hiddenLine xmlns="" xmlns:a14="http://schemas.microsoft.com/office/drawing/2010/main" w="9525">
+                  <a14:hiddenLine xmlns:a14="http://schemas.microsoft.com/office/drawing/2010/main" xmlns="" w="9525">
                     <a:solidFill>
                       <a:srgbClr val="000000"/>
                     </a:solidFill>
@@ -10630,7 +10631,7 @@
               </a:ln>
               <a:extLst>
                 <a:ext uri="{91240B29-F687-4f45-9708-019B960494DF}">
-                  <a14:hiddenLine xmlns="" xmlns:a14="http://schemas.microsoft.com/office/drawing/2010/main" w="9525">
+                  <a14:hiddenLine xmlns:a14="http://schemas.microsoft.com/office/drawing/2010/main" xmlns="" w="9525">
                     <a:solidFill>
                       <a:srgbClr val="000000"/>
                     </a:solidFill>
@@ -10720,7 +10721,7 @@
               </a:ln>
               <a:extLst>
                 <a:ext uri="{91240B29-F687-4f45-9708-019B960494DF}">
-                  <a14:hiddenLine xmlns="" xmlns:a14="http://schemas.microsoft.com/office/drawing/2010/main" w="9525">
+                  <a14:hiddenLine xmlns:a14="http://schemas.microsoft.com/office/drawing/2010/main" xmlns="" w="9525">
                     <a:solidFill>
                       <a:srgbClr val="000000"/>
                     </a:solidFill>
@@ -10810,7 +10811,7 @@
               </a:ln>
               <a:extLst>
                 <a:ext uri="{91240B29-F687-4f45-9708-019B960494DF}">
-                  <a14:hiddenLine xmlns="" xmlns:a14="http://schemas.microsoft.com/office/drawing/2010/main" w="9525">
+                  <a14:hiddenLine xmlns:a14="http://schemas.microsoft.com/office/drawing/2010/main" xmlns="" w="9525">
                     <a:solidFill>
                       <a:srgbClr val="000000"/>
                     </a:solidFill>
@@ -10875,7 +10876,7 @@
               </a:ln>
               <a:extLst>
                 <a:ext uri="{91240B29-F687-4f45-9708-019B960494DF}">
-                  <a14:hiddenLine xmlns="" xmlns:a14="http://schemas.microsoft.com/office/drawing/2010/main" w="9525">
+                  <a14:hiddenLine xmlns:a14="http://schemas.microsoft.com/office/drawing/2010/main" xmlns="" w="9525">
                     <a:solidFill>
                       <a:srgbClr val="000000"/>
                     </a:solidFill>
@@ -10995,7 +10996,7 @@
               </a:ln>
               <a:extLst>
                 <a:ext uri="{91240B29-F687-4f45-9708-019B960494DF}">
-                  <a14:hiddenLine xmlns="" xmlns:a14="http://schemas.microsoft.com/office/drawing/2010/main" w="9525">
+                  <a14:hiddenLine xmlns:a14="http://schemas.microsoft.com/office/drawing/2010/main" xmlns="" w="9525">
                     <a:solidFill>
                       <a:srgbClr val="000000"/>
                     </a:solidFill>
@@ -11093,7 +11094,7 @@
               </a:ln>
               <a:extLst>
                 <a:ext uri="{91240B29-F687-4f45-9708-019B960494DF}">
-                  <a14:hiddenLine xmlns="" xmlns:a14="http://schemas.microsoft.com/office/drawing/2010/main" w="9525">
+                  <a14:hiddenLine xmlns:a14="http://schemas.microsoft.com/office/drawing/2010/main" xmlns="" w="9525">
                     <a:solidFill>
                       <a:srgbClr val="000000"/>
                     </a:solidFill>
@@ -11208,7 +11209,7 @@
               </a:ln>
               <a:extLst>
                 <a:ext uri="{91240B29-F687-4f45-9708-019B960494DF}">
-                  <a14:hiddenLine xmlns="" xmlns:a14="http://schemas.microsoft.com/office/drawing/2010/main" w="9525">
+                  <a14:hiddenLine xmlns:a14="http://schemas.microsoft.com/office/drawing/2010/main" xmlns="" w="9525">
                     <a:solidFill>
                       <a:srgbClr val="000000"/>
                     </a:solidFill>
@@ -11298,7 +11299,7 @@
               </a:ln>
               <a:extLst>
                 <a:ext uri="{91240B29-F687-4f45-9708-019B960494DF}">
-                  <a14:hiddenLine xmlns="" xmlns:a14="http://schemas.microsoft.com/office/drawing/2010/main" w="9525">
+                  <a14:hiddenLine xmlns:a14="http://schemas.microsoft.com/office/drawing/2010/main" xmlns="" w="9525">
                     <a:solidFill>
                       <a:srgbClr val="000000"/>
                     </a:solidFill>
@@ -11363,7 +11364,7 @@
               </a:ln>
               <a:extLst>
                 <a:ext uri="{91240B29-F687-4f45-9708-019B960494DF}">
-                  <a14:hiddenLine xmlns="" xmlns:a14="http://schemas.microsoft.com/office/drawing/2010/main" w="9525">
+                  <a14:hiddenLine xmlns:a14="http://schemas.microsoft.com/office/drawing/2010/main" xmlns="" w="9525">
                     <a:solidFill>
                       <a:srgbClr val="000000"/>
                     </a:solidFill>
@@ -11453,7 +11454,7 @@
               </a:ln>
               <a:extLst>
                 <a:ext uri="{91240B29-F687-4f45-9708-019B960494DF}">
-                  <a14:hiddenLine xmlns="" xmlns:a14="http://schemas.microsoft.com/office/drawing/2010/main" w="9525">
+                  <a14:hiddenLine xmlns:a14="http://schemas.microsoft.com/office/drawing/2010/main" xmlns="" w="9525">
                     <a:solidFill>
                       <a:srgbClr val="000000"/>
                     </a:solidFill>
@@ -11521,7 +11522,7 @@
               </a:ln>
               <a:extLst>
                 <a:ext uri="{91240B29-F687-4f45-9708-019B960494DF}">
-                  <a14:hiddenLine xmlns="" xmlns:a14="http://schemas.microsoft.com/office/drawing/2010/main" w="9525">
+                  <a14:hiddenLine xmlns:a14="http://schemas.microsoft.com/office/drawing/2010/main" xmlns="" w="9525">
                     <a:solidFill>
                       <a:srgbClr val="000000"/>
                     </a:solidFill>
@@ -11611,7 +11612,7 @@
               </a:ln>
               <a:extLst>
                 <a:ext uri="{91240B29-F687-4f45-9708-019B960494DF}">
-                  <a14:hiddenLine xmlns="" xmlns:a14="http://schemas.microsoft.com/office/drawing/2010/main" w="9525">
+                  <a14:hiddenLine xmlns:a14="http://schemas.microsoft.com/office/drawing/2010/main" xmlns="" w="9525">
                     <a:solidFill>
                       <a:srgbClr val="000000"/>
                     </a:solidFill>
@@ -11679,7 +11680,7 @@
               </a:ln>
               <a:extLst>
                 <a:ext uri="{91240B29-F687-4f45-9708-019B960494DF}">
-                  <a14:hiddenLine xmlns="" xmlns:a14="http://schemas.microsoft.com/office/drawing/2010/main" w="9525">
+                  <a14:hiddenLine xmlns:a14="http://schemas.microsoft.com/office/drawing/2010/main" xmlns="" w="9525">
                     <a:solidFill>
                       <a:srgbClr val="000000"/>
                     </a:solidFill>
@@ -11769,7 +11770,7 @@
               </a:ln>
               <a:extLst>
                 <a:ext uri="{91240B29-F687-4f45-9708-019B960494DF}">
-                  <a14:hiddenLine xmlns="" xmlns:a14="http://schemas.microsoft.com/office/drawing/2010/main" w="9525">
+                  <a14:hiddenLine xmlns:a14="http://schemas.microsoft.com/office/drawing/2010/main" xmlns="" w="9525">
                     <a:solidFill>
                       <a:srgbClr val="000000"/>
                     </a:solidFill>
@@ -11803,7 +11804,7 @@
               </a:ln>
               <a:extLst>
                 <a:ext uri="{91240B29-F687-4f45-9708-019B960494DF}">
-                  <a14:hiddenLine xmlns="" xmlns:a14="http://schemas.microsoft.com/office/drawing/2010/main" w="9525">
+                  <a14:hiddenLine xmlns:a14="http://schemas.microsoft.com/office/drawing/2010/main" xmlns="" w="9525">
                     <a:solidFill>
                       <a:srgbClr val="000000"/>
                     </a:solidFill>
@@ -12491,6 +12492,97 @@
           <p:cNvPr id="2" name="Title 1">
             <a:extLst>
               <a:ext uri="{FF2B5EF4-FFF2-40B4-BE49-F238E27FC236}">
+                <a16:creationId xmlns:a16="http://schemas.microsoft.com/office/drawing/2014/main" id="{E9A0742A-8E22-4125-8294-8F140EE8BD88}"/>
+              </a:ext>
+            </a:extLst>
+          </p:cNvPr>
+          <p:cNvSpPr>
+            <a:spLocks noGrp="1"/>
+          </p:cNvSpPr>
+          <p:nvPr>
+            <p:ph type="title"/>
+          </p:nvPr>
+        </p:nvSpPr>
+        <p:spPr/>
+        <p:txBody>
+          <a:bodyPr/>
+          <a:lstStyle/>
+          <a:p>
+            <a:r>
+              <a:rPr lang="nl-NL" dirty="0"/>
+              <a:t>Objecten in game</a:t>
+            </a:r>
+            <a:r>
+              <a:rPr lang="en-US" dirty="0"/>
+              <a:t> x</a:t>
+            </a:r>
+            <a:endParaRPr lang="nl-NL" dirty="0"/>
+          </a:p>
+        </p:txBody>
+      </p:sp>
+      <p:sp>
+        <p:nvSpPr>
+          <p:cNvPr id="3" name="Content Placeholder 2">
+            <a:extLst>
+              <a:ext uri="{FF2B5EF4-FFF2-40B4-BE49-F238E27FC236}">
+                <a16:creationId xmlns:a16="http://schemas.microsoft.com/office/drawing/2014/main" id="{24DD3B8C-85FA-4A0B-AF5F-59D2F6C958ED}"/>
+              </a:ext>
+            </a:extLst>
+          </p:cNvPr>
+          <p:cNvSpPr>
+            <a:spLocks noGrp="1"/>
+          </p:cNvSpPr>
+          <p:nvPr>
+            <p:ph idx="1"/>
+          </p:nvPr>
+        </p:nvSpPr>
+        <p:spPr/>
+        <p:txBody>
+          <a:bodyPr/>
+          <a:lstStyle/>
+          <a:p>
+            <a:pPr marL="0" indent="0">
+              <a:buNone/>
+            </a:pPr>
+            <a:endParaRPr lang="nl-NL" dirty="0"/>
+          </a:p>
+        </p:txBody>
+      </p:sp>
+    </p:spTree>
+    <p:extLst>
+      <p:ext uri="{BB962C8B-B14F-4D97-AF65-F5344CB8AC3E}">
+        <p14:creationId xmlns:p14="http://schemas.microsoft.com/office/powerpoint/2010/main" val="3067716568"/>
+      </p:ext>
+    </p:extLst>
+  </p:cSld>
+  <p:clrMapOvr>
+    <a:masterClrMapping/>
+  </p:clrMapOvr>
+</p:sld>
+</file>
+
+<file path=ppt/slides/slide11.xml><?xml version="1.0" encoding="utf-8"?>
+<p:sld xmlns:a="http://schemas.openxmlformats.org/drawingml/2006/main" xmlns:r="http://schemas.openxmlformats.org/officeDocument/2006/relationships" xmlns:p="http://schemas.openxmlformats.org/presentationml/2006/main">
+  <p:cSld>
+    <p:spTree>
+      <p:nvGrpSpPr>
+        <p:cNvPr id="1" name=""/>
+        <p:cNvGrpSpPr/>
+        <p:nvPr/>
+      </p:nvGrpSpPr>
+      <p:grpSpPr>
+        <a:xfrm>
+          <a:off x="0" y="0"/>
+          <a:ext cx="0" cy="0"/>
+          <a:chOff x="0" y="0"/>
+          <a:chExt cx="0" cy="0"/>
+        </a:xfrm>
+      </p:grpSpPr>
+      <p:sp>
+        <p:nvSpPr>
+          <p:cNvPr id="2" name="Title 1">
+            <a:extLst>
+              <a:ext uri="{FF2B5EF4-FFF2-40B4-BE49-F238E27FC236}">
                 <a16:creationId xmlns:a16="http://schemas.microsoft.com/office/drawing/2014/main" id="{BE37125C-FE14-45ED-AD75-EBC5265945F6}"/>
               </a:ext>
             </a:extLst>
@@ -12563,7 +12655,7 @@
 </p:sld>
 </file>
 
-<file path=ppt/slides/slide11.xml><?xml version="1.0" encoding="utf-8"?>
+<file path=ppt/slides/slide12.xml><?xml version="1.0" encoding="utf-8"?>
 <p:sld xmlns:a="http://schemas.openxmlformats.org/drawingml/2006/main" xmlns:r="http://schemas.openxmlformats.org/officeDocument/2006/relationships" xmlns:p="http://schemas.openxmlformats.org/presentationml/2006/main">
   <p:cSld>
     <p:spTree>
@@ -12646,7 +12738,7 @@
 </p:sld>
 </file>
 
-<file path=ppt/slides/slide12.xml><?xml version="1.0" encoding="utf-8"?>
+<file path=ppt/slides/slide13.xml><?xml version="1.0" encoding="utf-8"?>
 <p:sld xmlns:a="http://schemas.openxmlformats.org/drawingml/2006/main" xmlns:r="http://schemas.openxmlformats.org/officeDocument/2006/relationships" xmlns:p="http://schemas.openxmlformats.org/presentationml/2006/main">
   <p:cSld>
     <p:spTree>
@@ -12734,7 +12826,7 @@
 </p:sld>
 </file>
 
-<file path=ppt/slides/slide13.xml><?xml version="1.0" encoding="utf-8"?>
+<file path=ppt/slides/slide14.xml><?xml version="1.0" encoding="utf-8"?>
 <p:sld xmlns:a="http://schemas.openxmlformats.org/drawingml/2006/main" xmlns:r="http://schemas.openxmlformats.org/officeDocument/2006/relationships" xmlns:p="http://schemas.openxmlformats.org/presentationml/2006/main">
   <p:cSld>
     <p:spTree>
@@ -13349,6 +13441,106 @@
       </p:grpSpPr>
       <p:sp>
         <p:nvSpPr>
+          <p:cNvPr id="2" name="Titel 1">
+            <a:extLst>
+              <a:ext uri="{FF2B5EF4-FFF2-40B4-BE49-F238E27FC236}">
+                <a16:creationId xmlns:a16="http://schemas.microsoft.com/office/drawing/2014/main" id="{3A5881F7-6693-FFE7-39EB-33B37FA94F23}"/>
+              </a:ext>
+            </a:extLst>
+          </p:cNvPr>
+          <p:cNvSpPr>
+            <a:spLocks noGrp="1"/>
+          </p:cNvSpPr>
+          <p:nvPr>
+            <p:ph type="title"/>
+          </p:nvPr>
+        </p:nvSpPr>
+        <p:spPr/>
+        <p:txBody>
+          <a:bodyPr/>
+          <a:lstStyle/>
+          <a:p>
+            <a:r>
+              <a:rPr lang="en-US"/>
+              <a:t>SPRITE</a:t>
+            </a:r>
+          </a:p>
+        </p:txBody>
+      </p:sp>
+      <p:sp>
+        <p:nvSpPr>
+          <p:cNvPr id="3" name="Tijdelijke aanduiding voor inhoud 2">
+            <a:extLst>
+              <a:ext uri="{FF2B5EF4-FFF2-40B4-BE49-F238E27FC236}">
+                <a16:creationId xmlns:a16="http://schemas.microsoft.com/office/drawing/2014/main" id="{8B0C4E38-C201-A02C-F3A1-6DE4BDDDCB64}"/>
+              </a:ext>
+            </a:extLst>
+          </p:cNvPr>
+          <p:cNvSpPr>
+            <a:spLocks noGrp="1"/>
+          </p:cNvSpPr>
+          <p:nvPr>
+            <p:ph idx="1"/>
+          </p:nvPr>
+        </p:nvSpPr>
+        <p:spPr/>
+        <p:txBody>
+          <a:bodyPr/>
+          <a:lstStyle/>
+          <a:p>
+            <a:r>
+              <a:rPr lang="en-US" i="1">
+                <a:solidFill>
+                  <a:srgbClr val="FF0000"/>
+                </a:solidFill>
+              </a:rPr>
+              <a:t>Een voorbeeld van een sprite (hoeft niet van game X te zijn)</a:t>
+            </a:r>
+          </a:p>
+          <a:p>
+            <a:r>
+              <a:rPr lang="en-US" i="1">
+                <a:solidFill>
+                  <a:srgbClr val="FF0000"/>
+                </a:solidFill>
+              </a:rPr>
+              <a:t>Bron waar je de afbeelding vandaan hebt.</a:t>
+            </a:r>
+          </a:p>
+        </p:txBody>
+      </p:sp>
+    </p:spTree>
+    <p:extLst>
+      <p:ext uri="{BB962C8B-B14F-4D97-AF65-F5344CB8AC3E}">
+        <p14:creationId xmlns:p14="http://schemas.microsoft.com/office/powerpoint/2010/main" val="1179743217"/>
+      </p:ext>
+    </p:extLst>
+  </p:cSld>
+  <p:clrMapOvr>
+    <a:masterClrMapping/>
+  </p:clrMapOvr>
+</p:sld>
+</file>
+
+<file path=ppt/slides/slide4.xml><?xml version="1.0" encoding="utf-8"?>
+<p:sld xmlns:a="http://schemas.openxmlformats.org/drawingml/2006/main" xmlns:r="http://schemas.openxmlformats.org/officeDocument/2006/relationships" xmlns:p="http://schemas.openxmlformats.org/presentationml/2006/main">
+  <p:cSld>
+    <p:spTree>
+      <p:nvGrpSpPr>
+        <p:cNvPr id="1" name=""/>
+        <p:cNvGrpSpPr/>
+        <p:nvPr/>
+      </p:nvGrpSpPr>
+      <p:grpSpPr>
+        <a:xfrm>
+          <a:off x="0" y="0"/>
+          <a:ext cx="0" cy="0"/>
+          <a:chOff x="0" y="0"/>
+          <a:chExt cx="0" cy="0"/>
+        </a:xfrm>
+      </p:grpSpPr>
+      <p:sp>
+        <p:nvSpPr>
           <p:cNvPr id="2" name="Title 1">
             <a:extLst>
               <a:ext uri="{FF2B5EF4-FFF2-40B4-BE49-F238E27FC236}">
@@ -13397,10 +13589,29 @@
           <a:bodyPr/>
           <a:lstStyle/>
           <a:p>
-            <a:pPr marL="0" indent="0">
-              <a:buNone/>
-            </a:pPr>
-            <a:endParaRPr lang="nl-NL" dirty="0"/>
+            <a:r>
+              <a:rPr lang="nl-NL" i="1">
+                <a:solidFill>
+                  <a:srgbClr val="FF0000"/>
+                </a:solidFill>
+              </a:rPr>
+              <a:t>Leg kort uit wat je van de esthetiek vind.</a:t>
+            </a:r>
+          </a:p>
+          <a:p>
+            <a:r>
+              <a:rPr lang="nl-NL" i="1">
+                <a:solidFill>
+                  <a:srgbClr val="FF0000"/>
+                </a:solidFill>
+              </a:rPr>
+              <a:t>Voeg ook screenshots of muziek fragmenten toe.</a:t>
+            </a:r>
+            <a:endParaRPr lang="nl-NL" i="1" dirty="0">
+              <a:solidFill>
+                <a:srgbClr val="FF0000"/>
+              </a:solidFill>
+            </a:endParaRPr>
           </a:p>
         </p:txBody>
       </p:sp>
@@ -13417,7 +13628,7 @@
 </p:sld>
 </file>
 
-<file path=ppt/slides/slide4.xml><?xml version="1.0" encoding="utf-8"?>
+<file path=ppt/slides/slide5.xml><?xml version="1.0" encoding="utf-8"?>
 <p:sld xmlns:a="http://schemas.openxmlformats.org/drawingml/2006/main" xmlns:r="http://schemas.openxmlformats.org/officeDocument/2006/relationships" xmlns:p="http://schemas.openxmlformats.org/presentationml/2006/main">
   <p:cSld>
     <p:spTree>
@@ -13508,7 +13719,7 @@
 </p:sld>
 </file>
 
-<file path=ppt/slides/slide5.xml><?xml version="1.0" encoding="utf-8"?>
+<file path=ppt/slides/slide6.xml><?xml version="1.0" encoding="utf-8"?>
 <p:sld xmlns:a="http://schemas.openxmlformats.org/drawingml/2006/main" xmlns:r="http://schemas.openxmlformats.org/officeDocument/2006/relationships" xmlns:p="http://schemas.openxmlformats.org/presentationml/2006/main">
   <p:cSld>
     <p:spTree>
@@ -13595,7 +13806,7 @@
 </p:sld>
 </file>
 
-<file path=ppt/slides/slide6.xml><?xml version="1.0" encoding="utf-8"?>
+<file path=ppt/slides/slide7.xml><?xml version="1.0" encoding="utf-8"?>
 <p:sld xmlns:a="http://schemas.openxmlformats.org/drawingml/2006/main" xmlns:r="http://schemas.openxmlformats.org/officeDocument/2006/relationships" xmlns:p="http://schemas.openxmlformats.org/presentationml/2006/main">
   <p:cSld>
     <p:spTree>
@@ -13686,7 +13897,7 @@
 </p:sld>
 </file>
 
-<file path=ppt/slides/slide7.xml><?xml version="1.0" encoding="utf-8"?>
+<file path=ppt/slides/slide8.xml><?xml version="1.0" encoding="utf-8"?>
 <p:sld xmlns:a="http://schemas.openxmlformats.org/drawingml/2006/main" xmlns:r="http://schemas.openxmlformats.org/officeDocument/2006/relationships" xmlns:p="http://schemas.openxmlformats.org/presentationml/2006/main">
   <p:cSld>
     <p:spTree>
@@ -13776,7 +13987,7 @@
 </p:sld>
 </file>
 
-<file path=ppt/slides/slide8.xml><?xml version="1.0" encoding="utf-8"?>
+<file path=ppt/slides/slide9.xml><?xml version="1.0" encoding="utf-8"?>
 <p:sld xmlns:a="http://schemas.openxmlformats.org/drawingml/2006/main" xmlns:r="http://schemas.openxmlformats.org/officeDocument/2006/relationships" xmlns:p="http://schemas.openxmlformats.org/presentationml/2006/main">
   <p:cSld>
     <p:spTree>
@@ -13857,97 +14068,6 @@
     <p:extLst>
       <p:ext uri="{BB962C8B-B14F-4D97-AF65-F5344CB8AC3E}">
         <p14:creationId xmlns:p14="http://schemas.microsoft.com/office/powerpoint/2010/main" val="905490407"/>
-      </p:ext>
-    </p:extLst>
-  </p:cSld>
-  <p:clrMapOvr>
-    <a:masterClrMapping/>
-  </p:clrMapOvr>
-</p:sld>
-</file>
-
-<file path=ppt/slides/slide9.xml><?xml version="1.0" encoding="utf-8"?>
-<p:sld xmlns:a="http://schemas.openxmlformats.org/drawingml/2006/main" xmlns:r="http://schemas.openxmlformats.org/officeDocument/2006/relationships" xmlns:p="http://schemas.openxmlformats.org/presentationml/2006/main">
-  <p:cSld>
-    <p:spTree>
-      <p:nvGrpSpPr>
-        <p:cNvPr id="1" name=""/>
-        <p:cNvGrpSpPr/>
-        <p:nvPr/>
-      </p:nvGrpSpPr>
-      <p:grpSpPr>
-        <a:xfrm>
-          <a:off x="0" y="0"/>
-          <a:ext cx="0" cy="0"/>
-          <a:chOff x="0" y="0"/>
-          <a:chExt cx="0" cy="0"/>
-        </a:xfrm>
-      </p:grpSpPr>
-      <p:sp>
-        <p:nvSpPr>
-          <p:cNvPr id="2" name="Title 1">
-            <a:extLst>
-              <a:ext uri="{FF2B5EF4-FFF2-40B4-BE49-F238E27FC236}">
-                <a16:creationId xmlns:a16="http://schemas.microsoft.com/office/drawing/2014/main" id="{E9A0742A-8E22-4125-8294-8F140EE8BD88}"/>
-              </a:ext>
-            </a:extLst>
-          </p:cNvPr>
-          <p:cNvSpPr>
-            <a:spLocks noGrp="1"/>
-          </p:cNvSpPr>
-          <p:nvPr>
-            <p:ph type="title"/>
-          </p:nvPr>
-        </p:nvSpPr>
-        <p:spPr/>
-        <p:txBody>
-          <a:bodyPr/>
-          <a:lstStyle/>
-          <a:p>
-            <a:r>
-              <a:rPr lang="nl-NL" dirty="0"/>
-              <a:t>Objecten in game</a:t>
-            </a:r>
-            <a:r>
-              <a:rPr lang="en-US" dirty="0"/>
-              <a:t> x</a:t>
-            </a:r>
-            <a:endParaRPr lang="nl-NL" dirty="0"/>
-          </a:p>
-        </p:txBody>
-      </p:sp>
-      <p:sp>
-        <p:nvSpPr>
-          <p:cNvPr id="3" name="Content Placeholder 2">
-            <a:extLst>
-              <a:ext uri="{FF2B5EF4-FFF2-40B4-BE49-F238E27FC236}">
-                <a16:creationId xmlns:a16="http://schemas.microsoft.com/office/drawing/2014/main" id="{24DD3B8C-85FA-4A0B-AF5F-59D2F6C958ED}"/>
-              </a:ext>
-            </a:extLst>
-          </p:cNvPr>
-          <p:cNvSpPr>
-            <a:spLocks noGrp="1"/>
-          </p:cNvSpPr>
-          <p:nvPr>
-            <p:ph idx="1"/>
-          </p:nvPr>
-        </p:nvSpPr>
-        <p:spPr/>
-        <p:txBody>
-          <a:bodyPr/>
-          <a:lstStyle/>
-          <a:p>
-            <a:pPr marL="0" indent="0">
-              <a:buNone/>
-            </a:pPr>
-            <a:endParaRPr lang="nl-NL" dirty="0"/>
-          </a:p>
-        </p:txBody>
-      </p:sp>
-    </p:spTree>
-    <p:extLst>
-      <p:ext uri="{BB962C8B-B14F-4D97-AF65-F5344CB8AC3E}">
-        <p14:creationId xmlns:p14="http://schemas.microsoft.com/office/powerpoint/2010/main" val="3067716568"/>
       </p:ext>
     </p:extLst>
   </p:cSld>

--- a/docs/Pygame/GameAnalyse_GameX.pptx
+++ b/docs/Pygame/GameAnalyse_GameX.pptx
@@ -10,15 +10,9 @@
     <p:sldId id="269" r:id="rId4"/>
     <p:sldId id="258" r:id="rId5"/>
     <p:sldId id="259" r:id="rId6"/>
-    <p:sldId id="260" r:id="rId7"/>
-    <p:sldId id="261" r:id="rId8"/>
-    <p:sldId id="262" r:id="rId9"/>
-    <p:sldId id="263" r:id="rId10"/>
-    <p:sldId id="264" r:id="rId11"/>
-    <p:sldId id="265" r:id="rId12"/>
-    <p:sldId id="266" r:id="rId13"/>
-    <p:sldId id="267" r:id="rId14"/>
-    <p:sldId id="268" r:id="rId15"/>
+    <p:sldId id="261" r:id="rId7"/>
+    <p:sldId id="260" r:id="rId8"/>
+    <p:sldId id="271" r:id="rId9"/>
   </p:sldIdLst>
   <p:sldSz cx="12192000" cy="6858000"/>
   <p:notesSz cx="6858000" cy="9144000"/>
@@ -4401,7 +4395,7 @@
           <a:p>
             <a:fld id="{48A87A34-81AB-432B-8DAE-1953F412C126}" type="datetimeFigureOut">
               <a:rPr lang="en-US" dirty="0"/>
-              <a:t>25-Jun-25</a:t>
+              <a:t>28-Jun-25</a:t>
             </a:fld>
             <a:endParaRPr lang="en-US" dirty="0"/>
           </a:p>
@@ -4663,7 +4657,7 @@
           <a:p>
             <a:fld id="{48A87A34-81AB-432B-8DAE-1953F412C126}" type="datetimeFigureOut">
               <a:rPr lang="en-US" dirty="0"/>
-              <a:t>25-Jun-25</a:t>
+              <a:t>28-Jun-25</a:t>
             </a:fld>
             <a:endParaRPr lang="en-US" dirty="0"/>
           </a:p>
@@ -4854,7 +4848,7 @@
           <a:p>
             <a:fld id="{48A87A34-81AB-432B-8DAE-1953F412C126}" type="datetimeFigureOut">
               <a:rPr lang="en-US" dirty="0"/>
-              <a:t>25-Jun-25</a:t>
+              <a:t>28-Jun-25</a:t>
             </a:fld>
             <a:endParaRPr lang="en-US" dirty="0"/>
           </a:p>
@@ -5112,7 +5106,7 @@
           <a:p>
             <a:fld id="{48A87A34-81AB-432B-8DAE-1953F412C126}" type="datetimeFigureOut">
               <a:rPr lang="en-US" dirty="0"/>
-              <a:t>25-Jun-25</a:t>
+              <a:t>28-Jun-25</a:t>
             </a:fld>
             <a:endParaRPr lang="en-US" dirty="0"/>
           </a:p>
@@ -5541,7 +5535,7 @@
           <a:p>
             <a:fld id="{48A87A34-81AB-432B-8DAE-1953F412C126}" type="datetimeFigureOut">
               <a:rPr lang="en-US" dirty="0"/>
-              <a:t>25-Jun-25</a:t>
+              <a:t>28-Jun-25</a:t>
             </a:fld>
             <a:endParaRPr lang="en-US" dirty="0"/>
           </a:p>
@@ -6082,7 +6076,7 @@
           <a:p>
             <a:fld id="{48A87A34-81AB-432B-8DAE-1953F412C126}" type="datetimeFigureOut">
               <a:rPr lang="en-US" dirty="0"/>
-              <a:t>25-Jun-25</a:t>
+              <a:t>28-Jun-25</a:t>
             </a:fld>
             <a:endParaRPr lang="en-US" dirty="0"/>
           </a:p>
@@ -6797,7 +6791,7 @@
           <a:p>
             <a:fld id="{48A87A34-81AB-432B-8DAE-1953F412C126}" type="datetimeFigureOut">
               <a:rPr lang="en-US" dirty="0"/>
-              <a:t>25-Jun-25</a:t>
+              <a:t>28-Jun-25</a:t>
             </a:fld>
             <a:endParaRPr lang="en-US" dirty="0"/>
           </a:p>
@@ -6962,7 +6956,7 @@
           <a:p>
             <a:fld id="{48A87A34-81AB-432B-8DAE-1953F412C126}" type="datetimeFigureOut">
               <a:rPr lang="en-US" dirty="0"/>
-              <a:t>25-Jun-25</a:t>
+              <a:t>28-Jun-25</a:t>
             </a:fld>
             <a:endParaRPr lang="en-US" dirty="0"/>
           </a:p>
@@ -7137,7 +7131,7 @@
           <a:p>
             <a:fld id="{48A87A34-81AB-432B-8DAE-1953F412C126}" type="datetimeFigureOut">
               <a:rPr lang="en-US" dirty="0"/>
-              <a:t>25-Jun-25</a:t>
+              <a:t>28-Jun-25</a:t>
             </a:fld>
             <a:endParaRPr lang="en-US" dirty="0"/>
           </a:p>
@@ -7302,7 +7296,7 @@
           <a:p>
             <a:fld id="{48A87A34-81AB-432B-8DAE-1953F412C126}" type="datetimeFigureOut">
               <a:rPr lang="en-US" dirty="0"/>
-              <a:t>25-Jun-25</a:t>
+              <a:t>28-Jun-25</a:t>
             </a:fld>
             <a:endParaRPr lang="en-US" dirty="0"/>
           </a:p>
@@ -7547,7 +7541,7 @@
           <a:p>
             <a:fld id="{48A87A34-81AB-432B-8DAE-1953F412C126}" type="datetimeFigureOut">
               <a:rPr lang="en-US" dirty="0"/>
-              <a:t>25-Jun-25</a:t>
+              <a:t>28-Jun-25</a:t>
             </a:fld>
             <a:endParaRPr lang="en-US" dirty="0"/>
           </a:p>
@@ -7774,7 +7768,7 @@
           <a:p>
             <a:fld id="{48A87A34-81AB-432B-8DAE-1953F412C126}" type="datetimeFigureOut">
               <a:rPr lang="en-US" dirty="0"/>
-              <a:t>25-Jun-25</a:t>
+              <a:t>28-Jun-25</a:t>
             </a:fld>
             <a:endParaRPr lang="en-US" dirty="0"/>
           </a:p>
@@ -8150,7 +8144,7 @@
           <a:p>
             <a:fld id="{48A87A34-81AB-432B-8DAE-1953F412C126}" type="datetimeFigureOut">
               <a:rPr lang="en-US" dirty="0"/>
-              <a:t>25-Jun-25</a:t>
+              <a:t>28-Jun-25</a:t>
             </a:fld>
             <a:endParaRPr lang="en-US" dirty="0"/>
           </a:p>
@@ -8263,7 +8257,7 @@
           <a:p>
             <a:fld id="{48A87A34-81AB-432B-8DAE-1953F412C126}" type="datetimeFigureOut">
               <a:rPr lang="en-US" dirty="0"/>
-              <a:t>25-Jun-25</a:t>
+              <a:t>28-Jun-25</a:t>
             </a:fld>
             <a:endParaRPr lang="en-US" dirty="0"/>
           </a:p>
@@ -8353,7 +8347,7 @@
           <a:p>
             <a:fld id="{48A87A34-81AB-432B-8DAE-1953F412C126}" type="datetimeFigureOut">
               <a:rPr lang="en-US" dirty="0"/>
-              <a:t>25-Jun-25</a:t>
+              <a:t>28-Jun-25</a:t>
             </a:fld>
             <a:endParaRPr lang="en-US" dirty="0"/>
           </a:p>
@@ -8597,7 +8591,7 @@
           <a:p>
             <a:fld id="{48A87A34-81AB-432B-8DAE-1953F412C126}" type="datetimeFigureOut">
               <a:rPr lang="en-US" dirty="0"/>
-              <a:t>25-Jun-25</a:t>
+              <a:t>28-Jun-25</a:t>
             </a:fld>
             <a:endParaRPr lang="en-US" dirty="0"/>
           </a:p>
@@ -8872,7 +8866,7 @@
           <a:p>
             <a:fld id="{48A87A34-81AB-432B-8DAE-1953F412C126}" type="datetimeFigureOut">
               <a:rPr lang="en-US" dirty="0"/>
-              <a:t>25-Jun-25</a:t>
+              <a:t>28-Jun-25</a:t>
             </a:fld>
             <a:endParaRPr lang="en-US" dirty="0"/>
           </a:p>
@@ -11945,7 +11939,7 @@
             <a:fld id="{48A87A34-81AB-432B-8DAE-1953F412C126}" type="datetimeFigureOut">
               <a:rPr lang="en-US" dirty="0"/>
               <a:pPr/>
-              <a:t>25-Jun-25</a:t>
+              <a:t>28-Jun-25</a:t>
             </a:fld>
             <a:endParaRPr lang="en-US" dirty="0"/>
           </a:p>
@@ -12383,12 +12377,8 @@
           <a:lstStyle/>
           <a:p>
             <a:r>
-              <a:rPr lang="en-US" dirty="0"/>
-              <a:t>Game </a:t>
-            </a:r>
-            <a:r>
-              <a:rPr lang="en-US" dirty="0" err="1"/>
-              <a:t>Analyse</a:t>
+              <a:rPr lang="en-US"/>
+              <a:t>Game Analyse van bestaande game</a:t>
             </a:r>
             <a:endParaRPr lang="nl-NL" dirty="0"/>
           </a:p>
@@ -12418,40 +12408,24 @@
             <a:r>
               <a:rPr lang="en-US">
                 <a:solidFill>
-                  <a:srgbClr val="C00000"/>
+                  <a:schemeClr val="tx1"/>
                 </a:solidFill>
               </a:rPr>
-              <a:t>naam </a:t>
+              <a:t>naam van de game: </a:t>
             </a:r>
-            <a:r>
-              <a:rPr lang="en-US" dirty="0">
-                <a:solidFill>
-                  <a:srgbClr val="C00000"/>
-                </a:solidFill>
-              </a:rPr>
-              <a:t>van je </a:t>
-            </a:r>
+          </a:p>
+          <a:p>
             <a:r>
               <a:rPr lang="en-US">
                 <a:solidFill>
-                  <a:srgbClr val="C00000"/>
+                  <a:schemeClr val="tx1"/>
                 </a:solidFill>
               </a:rPr>
-              <a:t>game X</a:t>
-            </a:r>
-          </a:p>
-          <a:p>
-            <a:r>
-              <a:rPr lang="en-US">
-                <a:solidFill>
-                  <a:srgbClr val="C00000"/>
-                </a:solidFill>
-              </a:rPr>
-              <a:t>JOUW naam</a:t>
+              <a:t>JOUW naam: </a:t>
             </a:r>
             <a:endParaRPr lang="nl-NL" dirty="0">
               <a:solidFill>
-                <a:srgbClr val="C00000"/>
+                <a:schemeClr val="tx1"/>
               </a:solidFill>
             </a:endParaRPr>
           </a:p>
@@ -12461,445 +12435,6 @@
     <p:extLst>
       <p:ext uri="{BB962C8B-B14F-4D97-AF65-F5344CB8AC3E}">
         <p14:creationId xmlns:p14="http://schemas.microsoft.com/office/powerpoint/2010/main" val="890577616"/>
-      </p:ext>
-    </p:extLst>
-  </p:cSld>
-  <p:clrMapOvr>
-    <a:masterClrMapping/>
-  </p:clrMapOvr>
-</p:sld>
-</file>
-
-<file path=ppt/slides/slide10.xml><?xml version="1.0" encoding="utf-8"?>
-<p:sld xmlns:a="http://schemas.openxmlformats.org/drawingml/2006/main" xmlns:r="http://schemas.openxmlformats.org/officeDocument/2006/relationships" xmlns:p="http://schemas.openxmlformats.org/presentationml/2006/main">
-  <p:cSld>
-    <p:spTree>
-      <p:nvGrpSpPr>
-        <p:cNvPr id="1" name=""/>
-        <p:cNvGrpSpPr/>
-        <p:nvPr/>
-      </p:nvGrpSpPr>
-      <p:grpSpPr>
-        <a:xfrm>
-          <a:off x="0" y="0"/>
-          <a:ext cx="0" cy="0"/>
-          <a:chOff x="0" y="0"/>
-          <a:chExt cx="0" cy="0"/>
-        </a:xfrm>
-      </p:grpSpPr>
-      <p:sp>
-        <p:nvSpPr>
-          <p:cNvPr id="2" name="Title 1">
-            <a:extLst>
-              <a:ext uri="{FF2B5EF4-FFF2-40B4-BE49-F238E27FC236}">
-                <a16:creationId xmlns:a16="http://schemas.microsoft.com/office/drawing/2014/main" id="{E9A0742A-8E22-4125-8294-8F140EE8BD88}"/>
-              </a:ext>
-            </a:extLst>
-          </p:cNvPr>
-          <p:cNvSpPr>
-            <a:spLocks noGrp="1"/>
-          </p:cNvSpPr>
-          <p:nvPr>
-            <p:ph type="title"/>
-          </p:nvPr>
-        </p:nvSpPr>
-        <p:spPr/>
-        <p:txBody>
-          <a:bodyPr/>
-          <a:lstStyle/>
-          <a:p>
-            <a:r>
-              <a:rPr lang="nl-NL" dirty="0"/>
-              <a:t>Objecten in game</a:t>
-            </a:r>
-            <a:r>
-              <a:rPr lang="en-US" dirty="0"/>
-              <a:t> x</a:t>
-            </a:r>
-            <a:endParaRPr lang="nl-NL" dirty="0"/>
-          </a:p>
-        </p:txBody>
-      </p:sp>
-      <p:sp>
-        <p:nvSpPr>
-          <p:cNvPr id="3" name="Content Placeholder 2">
-            <a:extLst>
-              <a:ext uri="{FF2B5EF4-FFF2-40B4-BE49-F238E27FC236}">
-                <a16:creationId xmlns:a16="http://schemas.microsoft.com/office/drawing/2014/main" id="{24DD3B8C-85FA-4A0B-AF5F-59D2F6C958ED}"/>
-              </a:ext>
-            </a:extLst>
-          </p:cNvPr>
-          <p:cNvSpPr>
-            <a:spLocks noGrp="1"/>
-          </p:cNvSpPr>
-          <p:nvPr>
-            <p:ph idx="1"/>
-          </p:nvPr>
-        </p:nvSpPr>
-        <p:spPr/>
-        <p:txBody>
-          <a:bodyPr/>
-          <a:lstStyle/>
-          <a:p>
-            <a:pPr marL="0" indent="0">
-              <a:buNone/>
-            </a:pPr>
-            <a:endParaRPr lang="nl-NL" dirty="0"/>
-          </a:p>
-        </p:txBody>
-      </p:sp>
-    </p:spTree>
-    <p:extLst>
-      <p:ext uri="{BB962C8B-B14F-4D97-AF65-F5344CB8AC3E}">
-        <p14:creationId xmlns:p14="http://schemas.microsoft.com/office/powerpoint/2010/main" val="3067716568"/>
-      </p:ext>
-    </p:extLst>
-  </p:cSld>
-  <p:clrMapOvr>
-    <a:masterClrMapping/>
-  </p:clrMapOvr>
-</p:sld>
-</file>
-
-<file path=ppt/slides/slide11.xml><?xml version="1.0" encoding="utf-8"?>
-<p:sld xmlns:a="http://schemas.openxmlformats.org/drawingml/2006/main" xmlns:r="http://schemas.openxmlformats.org/officeDocument/2006/relationships" xmlns:p="http://schemas.openxmlformats.org/presentationml/2006/main">
-  <p:cSld>
-    <p:spTree>
-      <p:nvGrpSpPr>
-        <p:cNvPr id="1" name=""/>
-        <p:cNvGrpSpPr/>
-        <p:nvPr/>
-      </p:nvGrpSpPr>
-      <p:grpSpPr>
-        <a:xfrm>
-          <a:off x="0" y="0"/>
-          <a:ext cx="0" cy="0"/>
-          <a:chOff x="0" y="0"/>
-          <a:chExt cx="0" cy="0"/>
-        </a:xfrm>
-      </p:grpSpPr>
-      <p:sp>
-        <p:nvSpPr>
-          <p:cNvPr id="2" name="Title 1">
-            <a:extLst>
-              <a:ext uri="{FF2B5EF4-FFF2-40B4-BE49-F238E27FC236}">
-                <a16:creationId xmlns:a16="http://schemas.microsoft.com/office/drawing/2014/main" id="{BE37125C-FE14-45ED-AD75-EBC5265945F6}"/>
-              </a:ext>
-            </a:extLst>
-          </p:cNvPr>
-          <p:cNvSpPr>
-            <a:spLocks noGrp="1"/>
-          </p:cNvSpPr>
-          <p:nvPr>
-            <p:ph type="title"/>
-          </p:nvPr>
-        </p:nvSpPr>
-        <p:spPr/>
-        <p:txBody>
-          <a:bodyPr/>
-          <a:lstStyle/>
-          <a:p>
-            <a:r>
-              <a:rPr lang="nl-NL" dirty="0"/>
-              <a:t>Toestanden</a:t>
-            </a:r>
-            <a:r>
-              <a:rPr lang="en-US" dirty="0"/>
-              <a:t> van de </a:t>
-            </a:r>
-            <a:r>
-              <a:rPr lang="nl-NL" dirty="0"/>
-              <a:t>speler</a:t>
-            </a:r>
-          </a:p>
-        </p:txBody>
-      </p:sp>
-      <p:sp>
-        <p:nvSpPr>
-          <p:cNvPr id="3" name="Content Placeholder 2">
-            <a:extLst>
-              <a:ext uri="{FF2B5EF4-FFF2-40B4-BE49-F238E27FC236}">
-                <a16:creationId xmlns:a16="http://schemas.microsoft.com/office/drawing/2014/main" id="{50D14D33-ABCA-4D8E-A766-FE44B44DFD43}"/>
-              </a:ext>
-            </a:extLst>
-          </p:cNvPr>
-          <p:cNvSpPr>
-            <a:spLocks noGrp="1"/>
-          </p:cNvSpPr>
-          <p:nvPr>
-            <p:ph idx="1"/>
-          </p:nvPr>
-        </p:nvSpPr>
-        <p:spPr/>
-        <p:txBody>
-          <a:bodyPr/>
-          <a:lstStyle/>
-          <a:p>
-            <a:pPr marL="0" indent="0">
-              <a:buNone/>
-            </a:pPr>
-            <a:endParaRPr lang="nl-NL" dirty="0"/>
-          </a:p>
-        </p:txBody>
-      </p:sp>
-    </p:spTree>
-    <p:extLst>
-      <p:ext uri="{BB962C8B-B14F-4D97-AF65-F5344CB8AC3E}">
-        <p14:creationId xmlns:p14="http://schemas.microsoft.com/office/powerpoint/2010/main" val="2398124661"/>
-      </p:ext>
-    </p:extLst>
-  </p:cSld>
-  <p:clrMapOvr>
-    <a:masterClrMapping/>
-  </p:clrMapOvr>
-</p:sld>
-</file>
-
-<file path=ppt/slides/slide12.xml><?xml version="1.0" encoding="utf-8"?>
-<p:sld xmlns:a="http://schemas.openxmlformats.org/drawingml/2006/main" xmlns:r="http://schemas.openxmlformats.org/officeDocument/2006/relationships" xmlns:p="http://schemas.openxmlformats.org/presentationml/2006/main">
-  <p:cSld>
-    <p:spTree>
-      <p:nvGrpSpPr>
-        <p:cNvPr id="1" name=""/>
-        <p:cNvGrpSpPr/>
-        <p:nvPr/>
-      </p:nvGrpSpPr>
-      <p:grpSpPr>
-        <a:xfrm>
-          <a:off x="0" y="0"/>
-          <a:ext cx="0" cy="0"/>
-          <a:chOff x="0" y="0"/>
-          <a:chExt cx="0" cy="0"/>
-        </a:xfrm>
-      </p:grpSpPr>
-      <p:sp>
-        <p:nvSpPr>
-          <p:cNvPr id="2" name="Title 1">
-            <a:extLst>
-              <a:ext uri="{FF2B5EF4-FFF2-40B4-BE49-F238E27FC236}">
-                <a16:creationId xmlns:a16="http://schemas.microsoft.com/office/drawing/2014/main" id="{E9F9AE94-F4B2-4BC1-B0A6-B1B86E79AA19}"/>
-              </a:ext>
-            </a:extLst>
-          </p:cNvPr>
-          <p:cNvSpPr>
-            <a:spLocks noGrp="1"/>
-          </p:cNvSpPr>
-          <p:nvPr>
-            <p:ph type="title"/>
-          </p:nvPr>
-        </p:nvSpPr>
-        <p:spPr/>
-        <p:txBody>
-          <a:bodyPr/>
-          <a:lstStyle/>
-          <a:p>
-            <a:r>
-              <a:rPr lang="nl-NL" dirty="0"/>
-              <a:t>Tijd, toeval en surprises</a:t>
-            </a:r>
-          </a:p>
-        </p:txBody>
-      </p:sp>
-      <p:sp>
-        <p:nvSpPr>
-          <p:cNvPr id="3" name="Content Placeholder 2">
-            <a:extLst>
-              <a:ext uri="{FF2B5EF4-FFF2-40B4-BE49-F238E27FC236}">
-                <a16:creationId xmlns:a16="http://schemas.microsoft.com/office/drawing/2014/main" id="{9356D1CA-89E8-4B82-87C6-F06224424EBF}"/>
-              </a:ext>
-            </a:extLst>
-          </p:cNvPr>
-          <p:cNvSpPr>
-            <a:spLocks noGrp="1"/>
-          </p:cNvSpPr>
-          <p:nvPr>
-            <p:ph idx="1"/>
-          </p:nvPr>
-        </p:nvSpPr>
-        <p:spPr/>
-        <p:txBody>
-          <a:bodyPr/>
-          <a:lstStyle/>
-          <a:p>
-            <a:endParaRPr lang="nl-NL"/>
-          </a:p>
-        </p:txBody>
-      </p:sp>
-    </p:spTree>
-    <p:extLst>
-      <p:ext uri="{BB962C8B-B14F-4D97-AF65-F5344CB8AC3E}">
-        <p14:creationId xmlns:p14="http://schemas.microsoft.com/office/powerpoint/2010/main" val="2220441713"/>
-      </p:ext>
-    </p:extLst>
-  </p:cSld>
-  <p:clrMapOvr>
-    <a:masterClrMapping/>
-  </p:clrMapOvr>
-</p:sld>
-</file>
-
-<file path=ppt/slides/slide13.xml><?xml version="1.0" encoding="utf-8"?>
-<p:sld xmlns:a="http://schemas.openxmlformats.org/drawingml/2006/main" xmlns:r="http://schemas.openxmlformats.org/officeDocument/2006/relationships" xmlns:p="http://schemas.openxmlformats.org/presentationml/2006/main">
-  <p:cSld>
-    <p:spTree>
-      <p:nvGrpSpPr>
-        <p:cNvPr id="1" name=""/>
-        <p:cNvGrpSpPr/>
-        <p:nvPr/>
-      </p:nvGrpSpPr>
-      <p:grpSpPr>
-        <a:xfrm>
-          <a:off x="0" y="0"/>
-          <a:ext cx="0" cy="0"/>
-          <a:chOff x="0" y="0"/>
-          <a:chExt cx="0" cy="0"/>
-        </a:xfrm>
-      </p:grpSpPr>
-      <p:sp>
-        <p:nvSpPr>
-          <p:cNvPr id="2" name="Title 1">
-            <a:extLst>
-              <a:ext uri="{FF2B5EF4-FFF2-40B4-BE49-F238E27FC236}">
-                <a16:creationId xmlns:a16="http://schemas.microsoft.com/office/drawing/2014/main" id="{91232025-09D0-4A15-B683-8C4CA851BD09}"/>
-              </a:ext>
-            </a:extLst>
-          </p:cNvPr>
-          <p:cNvSpPr>
-            <a:spLocks noGrp="1"/>
-          </p:cNvSpPr>
-          <p:nvPr>
-            <p:ph type="title"/>
-          </p:nvPr>
-        </p:nvSpPr>
-        <p:spPr/>
-        <p:txBody>
-          <a:bodyPr/>
-          <a:lstStyle/>
-          <a:p>
-            <a:r>
-              <a:rPr lang="nl-NL" dirty="0"/>
-              <a:t>De speler leert Het spel door</a:t>
-            </a:r>
-            <a:r>
-              <a:rPr lang="en-US" dirty="0"/>
-              <a:t>…</a:t>
-            </a:r>
-            <a:endParaRPr lang="nl-NL" dirty="0"/>
-          </a:p>
-        </p:txBody>
-      </p:sp>
-      <p:sp>
-        <p:nvSpPr>
-          <p:cNvPr id="3" name="Content Placeholder 2">
-            <a:extLst>
-              <a:ext uri="{FF2B5EF4-FFF2-40B4-BE49-F238E27FC236}">
-                <a16:creationId xmlns:a16="http://schemas.microsoft.com/office/drawing/2014/main" id="{5373E75D-0681-4A90-ADA5-711E8E80C53A}"/>
-              </a:ext>
-            </a:extLst>
-          </p:cNvPr>
-          <p:cNvSpPr>
-            <a:spLocks noGrp="1"/>
-          </p:cNvSpPr>
-          <p:nvPr>
-            <p:ph idx="1"/>
-          </p:nvPr>
-        </p:nvSpPr>
-        <p:spPr/>
-        <p:txBody>
-          <a:bodyPr/>
-          <a:lstStyle/>
-          <a:p>
-            <a:endParaRPr lang="nl-NL"/>
-          </a:p>
-        </p:txBody>
-      </p:sp>
-    </p:spTree>
-    <p:extLst>
-      <p:ext uri="{BB962C8B-B14F-4D97-AF65-F5344CB8AC3E}">
-        <p14:creationId xmlns:p14="http://schemas.microsoft.com/office/powerpoint/2010/main" val="781199816"/>
-      </p:ext>
-    </p:extLst>
-  </p:cSld>
-  <p:clrMapOvr>
-    <a:masterClrMapping/>
-  </p:clrMapOvr>
-</p:sld>
-</file>
-
-<file path=ppt/slides/slide14.xml><?xml version="1.0" encoding="utf-8"?>
-<p:sld xmlns:a="http://schemas.openxmlformats.org/drawingml/2006/main" xmlns:r="http://schemas.openxmlformats.org/officeDocument/2006/relationships" xmlns:p="http://schemas.openxmlformats.org/presentationml/2006/main">
-  <p:cSld>
-    <p:spTree>
-      <p:nvGrpSpPr>
-        <p:cNvPr id="1" name=""/>
-        <p:cNvGrpSpPr/>
-        <p:nvPr/>
-      </p:nvGrpSpPr>
-      <p:grpSpPr>
-        <a:xfrm>
-          <a:off x="0" y="0"/>
-          <a:ext cx="0" cy="0"/>
-          <a:chOff x="0" y="0"/>
-          <a:chExt cx="0" cy="0"/>
-        </a:xfrm>
-      </p:grpSpPr>
-      <p:sp>
-        <p:nvSpPr>
-          <p:cNvPr id="2" name="Title 1">
-            <a:extLst>
-              <a:ext uri="{FF2B5EF4-FFF2-40B4-BE49-F238E27FC236}">
-                <a16:creationId xmlns:a16="http://schemas.microsoft.com/office/drawing/2014/main" id="{7261CAA6-ECF0-43D1-AB63-3DA8B0C9EFDC}"/>
-              </a:ext>
-            </a:extLst>
-          </p:cNvPr>
-          <p:cNvSpPr>
-            <a:spLocks noGrp="1"/>
-          </p:cNvSpPr>
-          <p:nvPr>
-            <p:ph type="title"/>
-          </p:nvPr>
-        </p:nvSpPr>
-        <p:spPr/>
-        <p:txBody>
-          <a:bodyPr/>
-          <a:lstStyle/>
-          <a:p>
-            <a:r>
-              <a:rPr lang="nl-NL" dirty="0"/>
-              <a:t>Progressie In game x</a:t>
-            </a:r>
-          </a:p>
-        </p:txBody>
-      </p:sp>
-      <p:sp>
-        <p:nvSpPr>
-          <p:cNvPr id="3" name="Content Placeholder 2">
-            <a:extLst>
-              <a:ext uri="{FF2B5EF4-FFF2-40B4-BE49-F238E27FC236}">
-                <a16:creationId xmlns:a16="http://schemas.microsoft.com/office/drawing/2014/main" id="{C543FCCC-6A8A-4468-A136-51A59F24A9CD}"/>
-              </a:ext>
-            </a:extLst>
-          </p:cNvPr>
-          <p:cNvSpPr>
-            <a:spLocks noGrp="1"/>
-          </p:cNvSpPr>
-          <p:nvPr>
-            <p:ph idx="1"/>
-          </p:nvPr>
-        </p:nvSpPr>
-        <p:spPr/>
-        <p:txBody>
-          <a:bodyPr/>
-          <a:lstStyle/>
-          <a:p>
-            <a:endParaRPr lang="nl-NL" dirty="0"/>
-          </a:p>
-        </p:txBody>
-      </p:sp>
-    </p:spTree>
-    <p:extLst>
-      <p:ext uri="{BB962C8B-B14F-4D97-AF65-F5344CB8AC3E}">
-        <p14:creationId xmlns:p14="http://schemas.microsoft.com/office/powerpoint/2010/main" val="1433678609"/>
       </p:ext>
     </p:extLst>
   </p:cSld>
@@ -12972,8 +12507,8 @@
         </p:nvSpPr>
         <p:spPr bwMode="auto">
           <a:xfrm>
-            <a:off x="1141412" y="2004410"/>
-            <a:ext cx="9591243" cy="4031873"/>
+            <a:off x="1141412" y="1881300"/>
+            <a:ext cx="9591243" cy="4278094"/>
           </a:xfrm>
           <a:prstGeom prst="rect">
             <a:avLst/>
@@ -13034,21 +12569,14 @@
               <a:buSzTx/>
             </a:pPr>
             <a:r>
-              <a:rPr kumimoji="0" lang="en-US" altLang="en-US" sz="1600" i="1" u="none" strike="noStrike" cap="none" normalizeH="0" baseline="0">
-                <a:ln>
-                  <a:noFill/>
-                </a:ln>
-                <a:solidFill>
-                  <a:srgbClr val="C00000"/>
-                </a:solidFill>
-                <a:effectLst/>
+              <a:rPr lang="en-US" altLang="en-US" sz="1600" i="1">
                 <a:latin typeface="Arial" panose="020B0604020202020204" pitchFamily="34" charset="0"/>
               </a:rPr>
-              <a:t>Wat voelt de spler tijdens het spel? (bijv. spanning, ontspanning, blijdschap, frustratie op een leuke manier)</a:t>
+              <a:t>Wat voelt de speler tijdens het spel? (bijv. spanning, ontspanning, blijdschap, frustratie op een leuke manier)</a:t>
             </a:r>
           </a:p>
           <a:p>
-            <a:pPr marL="0" marR="0" lvl="0" indent="0" algn="l" defTabSz="914400" rtl="0" eaLnBrk="0" fontAlgn="base" latinLnBrk="0" hangingPunct="0">
+            <a:pPr eaLnBrk="0" fontAlgn="base" hangingPunct="0">
               <a:lnSpc>
                 <a:spcPct val="100000"/>
               </a:lnSpc>
@@ -13058,20 +12586,9 @@
               <a:spcAft>
                 <a:spcPct val="0"/>
               </a:spcAft>
-              <a:buClrTx/>
               <a:buSzTx/>
-              <a:buFontTx/>
-              <a:buChar char="•"/>
-              <a:tabLst/>
             </a:pPr>
-            <a:endParaRPr kumimoji="0" lang="en-US" altLang="en-US" sz="1600" i="1" u="none" strike="noStrike" cap="none" normalizeH="0" baseline="0">
-              <a:ln>
-                <a:noFill/>
-              </a:ln>
-              <a:solidFill>
-                <a:srgbClr val="C00000"/>
-              </a:solidFill>
-              <a:effectLst/>
+            <a:endParaRPr lang="en-US" altLang="en-US" sz="1600" i="1">
               <a:latin typeface="Arial" panose="020B0604020202020204" pitchFamily="34" charset="0"/>
             </a:endParaRPr>
           </a:p>
@@ -13089,14 +12606,7 @@
               <a:buSzTx/>
             </a:pPr>
             <a:r>
-              <a:rPr kumimoji="0" lang="en-US" altLang="en-US" sz="1600" i="1" u="none" strike="noStrike" cap="none" normalizeH="0" baseline="0">
-                <a:ln>
-                  <a:noFill/>
-                </a:ln>
-                <a:solidFill>
-                  <a:srgbClr val="C00000"/>
-                </a:solidFill>
-                <a:effectLst/>
+              <a:rPr lang="en-US" altLang="en-US" sz="1600" i="1">
                 <a:latin typeface="Arial" panose="020B0604020202020204" pitchFamily="34" charset="0"/>
               </a:rPr>
               <a:t>Wat maakt de game leuk of interessant om te spelen?</a:t>
@@ -13115,14 +12625,7 @@
               </a:spcAft>
               <a:buSzTx/>
             </a:pPr>
-            <a:endParaRPr kumimoji="0" lang="en-US" altLang="en-US" sz="1600" i="1" u="none" strike="noStrike" cap="none" normalizeH="0" baseline="0">
-              <a:ln>
-                <a:noFill/>
-              </a:ln>
-              <a:solidFill>
-                <a:srgbClr val="C00000"/>
-              </a:solidFill>
-              <a:effectLst/>
+            <a:endParaRPr lang="en-US" altLang="en-US" sz="1600" i="1">
               <a:latin typeface="Arial" panose="020B0604020202020204" pitchFamily="34" charset="0"/>
             </a:endParaRPr>
           </a:p>
@@ -13140,14 +12643,7 @@
               <a:buSzTx/>
             </a:pPr>
             <a:r>
-              <a:rPr kumimoji="0" lang="en-US" altLang="en-US" sz="1600" i="1" u="none" strike="noStrike" cap="none" normalizeH="0" baseline="0">
-                <a:ln>
-                  <a:noFill/>
-                </a:ln>
-                <a:solidFill>
-                  <a:srgbClr val="C00000"/>
-                </a:solidFill>
-                <a:effectLst/>
+              <a:rPr lang="en-US" altLang="en-US" sz="1600" i="1">
                 <a:latin typeface="Arial" panose="020B0604020202020204" pitchFamily="34" charset="0"/>
               </a:rPr>
               <a:t>Wanneer voelt de speler zich slim, uitgedaagd of beloond?</a:t>
@@ -13166,14 +12662,7 @@
               </a:spcAft>
               <a:buSzTx/>
             </a:pPr>
-            <a:endParaRPr kumimoji="0" lang="en-US" altLang="en-US" sz="1600" i="1" u="none" strike="noStrike" cap="none" normalizeH="0" baseline="0">
-              <a:ln>
-                <a:noFill/>
-              </a:ln>
-              <a:solidFill>
-                <a:srgbClr val="C00000"/>
-              </a:solidFill>
-              <a:effectLst/>
+            <a:endParaRPr lang="en-US" altLang="en-US" sz="1600" i="1">
               <a:latin typeface="Arial" panose="020B0604020202020204" pitchFamily="34" charset="0"/>
             </a:endParaRPr>
           </a:p>
@@ -13191,14 +12680,7 @@
               <a:buSzTx/>
             </a:pPr>
             <a:r>
-              <a:rPr kumimoji="0" lang="en-US" altLang="en-US" sz="1600" i="1" u="none" strike="noStrike" cap="none" normalizeH="0" baseline="0">
-                <a:ln>
-                  <a:noFill/>
-                </a:ln>
-                <a:solidFill>
-                  <a:srgbClr val="C00000"/>
-                </a:solidFill>
-                <a:effectLst/>
+              <a:rPr lang="en-US" altLang="en-US" sz="1600" i="1">
                 <a:latin typeface="Arial" panose="020B0604020202020204" pitchFamily="34" charset="0"/>
               </a:rPr>
               <a:t>Zal de speler het spel willen blijven spelen? Waarom (niet)?</a:t>
@@ -13217,15 +12699,9 @@
               </a:spcAft>
               <a:buSzTx/>
             </a:pPr>
-            <a:endParaRPr kumimoji="0" lang="en-US" altLang="en-US" sz="1600" i="1" u="none" strike="noStrike" cap="none" normalizeH="0" baseline="0">
-              <a:ln>
-                <a:noFill/>
-              </a:ln>
-              <a:solidFill>
-                <a:srgbClr val="C00000"/>
-              </a:solidFill>
-              <a:effectLst/>
+            <a:endParaRPr lang="en-US" altLang="en-US" sz="1600" i="1">
               <a:latin typeface="Arial" panose="020B0604020202020204" pitchFamily="34" charset="0"/>
+              <a:cs typeface="Arial" panose="020B0604020202020204" pitchFamily="34" charset="0"/>
             </a:endParaRPr>
           </a:p>
           <a:p>
@@ -13242,42 +12718,11 @@
               <a:buSzTx/>
             </a:pPr>
             <a:r>
-              <a:rPr kumimoji="0" lang="en-US" altLang="en-US" sz="1600" i="1" u="none" strike="noStrike" cap="none" normalizeH="0" baseline="0">
-                <a:ln>
-                  <a:noFill/>
-                </a:ln>
-                <a:solidFill>
-                  <a:srgbClr val="C00000"/>
-                </a:solidFill>
-                <a:effectLst/>
+              <a:rPr lang="en-US" altLang="en-US" sz="1600" i="1">
                 <a:latin typeface="Arial" panose="020B0604020202020204" pitchFamily="34" charset="0"/>
+                <a:cs typeface="Arial" panose="020B0604020202020204" pitchFamily="34" charset="0"/>
               </a:rPr>
-              <a:t>Krijgt de speler voldoende feedback op zijn acties?</a:t>
-            </a:r>
-            <a:br>
-              <a:rPr kumimoji="0" lang="en-US" altLang="en-US" sz="1600" i="1" u="none" strike="noStrike" cap="none" normalizeH="0" baseline="0">
-                <a:ln>
-                  <a:noFill/>
-                </a:ln>
-                <a:solidFill>
-                  <a:srgbClr val="C00000"/>
-                </a:solidFill>
-                <a:effectLst/>
-                <a:latin typeface="Arial" panose="020B0604020202020204" pitchFamily="34" charset="0"/>
-              </a:rPr>
-            </a:br>
-            <a:r>
-              <a:rPr kumimoji="0" lang="en-US" altLang="en-US" sz="1600" i="1" u="none" strike="noStrike" cap="none" normalizeH="0" baseline="0">
-                <a:ln>
-                  <a:noFill/>
-                </a:ln>
-                <a:solidFill>
-                  <a:srgbClr val="C00000"/>
-                </a:solidFill>
-                <a:effectLst/>
-                <a:latin typeface="Arial" panose="020B0604020202020204" pitchFamily="34" charset="0"/>
-              </a:rPr>
-              <a:t>(denk aan geluid, animaties, visuele signalen)</a:t>
+              <a:t>Krijgt de speler voldoende feedback op zijn acties? (denk aan geluid, animaties, visuele signalen)</a:t>
             </a:r>
           </a:p>
           <a:p>
@@ -13293,15 +12738,9 @@
               </a:spcAft>
               <a:buSzTx/>
             </a:pPr>
-            <a:endParaRPr kumimoji="0" lang="en-US" altLang="en-US" sz="1600" i="1" u="none" strike="noStrike" cap="none" normalizeH="0" baseline="0">
-              <a:ln>
-                <a:noFill/>
-              </a:ln>
-              <a:solidFill>
-                <a:srgbClr val="C00000"/>
-              </a:solidFill>
-              <a:effectLst/>
+            <a:endParaRPr lang="en-US" altLang="en-US" sz="1600" i="1">
               <a:latin typeface="Arial" panose="020B0604020202020204" pitchFamily="34" charset="0"/>
+              <a:cs typeface="Arial" panose="020B0604020202020204" pitchFamily="34" charset="0"/>
             </a:endParaRPr>
           </a:p>
           <a:p>
@@ -13318,42 +12757,11 @@
               <a:buSzTx/>
             </a:pPr>
             <a:r>
-              <a:rPr kumimoji="0" lang="en-US" altLang="en-US" sz="1600" i="1" u="none" strike="noStrike" cap="none" normalizeH="0" baseline="0">
-                <a:ln>
-                  <a:noFill/>
-                </a:ln>
-                <a:solidFill>
-                  <a:srgbClr val="C00000"/>
-                </a:solidFill>
-                <a:effectLst/>
+              <a:rPr lang="en-US" altLang="en-US" sz="1600" i="1">
                 <a:latin typeface="Arial" panose="020B0604020202020204" pitchFamily="34" charset="0"/>
+                <a:cs typeface="Arial" panose="020B0604020202020204" pitchFamily="34" charset="0"/>
               </a:rPr>
-              <a:t>Is er een goede balans tussen uitdaging en controle?</a:t>
-            </a:r>
-            <a:br>
-              <a:rPr kumimoji="0" lang="en-US" altLang="en-US" sz="1600" i="1" u="none" strike="noStrike" cap="none" normalizeH="0" baseline="0">
-                <a:ln>
-                  <a:noFill/>
-                </a:ln>
-                <a:solidFill>
-                  <a:srgbClr val="C00000"/>
-                </a:solidFill>
-                <a:effectLst/>
-                <a:latin typeface="Arial" panose="020B0604020202020204" pitchFamily="34" charset="0"/>
-              </a:rPr>
-            </a:br>
-            <a:r>
-              <a:rPr kumimoji="0" lang="en-US" altLang="en-US" sz="1600" i="1" u="none" strike="noStrike" cap="none" normalizeH="0" baseline="0">
-                <a:ln>
-                  <a:noFill/>
-                </a:ln>
-                <a:solidFill>
-                  <a:srgbClr val="C00000"/>
-                </a:solidFill>
-                <a:effectLst/>
-                <a:latin typeface="Arial" panose="020B0604020202020204" pitchFamily="34" charset="0"/>
-              </a:rPr>
-              <a:t>(te makkelijk = saai, te moeilijk = frustrerend)</a:t>
+              <a:t>Is er een goede balans tussen uitdaging en controle? (te makkelijk is saai, te moeilijk is frustrerend)</a:t>
             </a:r>
           </a:p>
           <a:p>
@@ -13369,15 +12777,9 @@
               </a:spcAft>
               <a:buSzTx/>
             </a:pPr>
-            <a:endParaRPr kumimoji="0" lang="en-US" altLang="en-US" sz="1600" i="1" u="none" strike="noStrike" cap="none" normalizeH="0" baseline="0">
-              <a:ln>
-                <a:noFill/>
-              </a:ln>
-              <a:solidFill>
-                <a:srgbClr val="C00000"/>
-              </a:solidFill>
-              <a:effectLst/>
+            <a:endParaRPr lang="en-US" altLang="en-US" sz="1600" i="1">
               <a:latin typeface="Arial" panose="020B0604020202020204" pitchFamily="34" charset="0"/>
+              <a:cs typeface="Arial" panose="020B0604020202020204" pitchFamily="34" charset="0"/>
             </a:endParaRPr>
           </a:p>
           <a:p>
@@ -13394,18 +12796,69 @@
               <a:buSzTx/>
             </a:pPr>
             <a:r>
-              <a:rPr kumimoji="0" lang="en-US" altLang="en-US" sz="1600" i="1" u="none" strike="noStrike" cap="none" normalizeH="0" baseline="0">
-                <a:ln>
-                  <a:noFill/>
-                </a:ln>
-                <a:solidFill>
-                  <a:srgbClr val="C00000"/>
-                </a:solidFill>
-                <a:effectLst/>
+              <a:rPr lang="en-US" altLang="en-US" sz="1600" i="1">
                 <a:latin typeface="Arial" panose="020B0604020202020204" pitchFamily="34" charset="0"/>
+                <a:cs typeface="Arial" panose="020B0604020202020204" pitchFamily="34" charset="0"/>
               </a:rPr>
               <a:t>Begrijpt de speler wat hij moet doen zonder uitleg?</a:t>
             </a:r>
+          </a:p>
+          <a:p>
+            <a:pPr eaLnBrk="0" fontAlgn="base" hangingPunct="0">
+              <a:lnSpc>
+                <a:spcPct val="100000"/>
+              </a:lnSpc>
+              <a:spcBef>
+                <a:spcPct val="0"/>
+              </a:spcBef>
+              <a:spcAft>
+                <a:spcPct val="0"/>
+              </a:spcAft>
+              <a:buSzTx/>
+            </a:pPr>
+            <a:endParaRPr lang="nl-NL" sz="1600" i="1">
+              <a:latin typeface="Arial" panose="020B0604020202020204" pitchFamily="34" charset="0"/>
+              <a:cs typeface="Arial" panose="020B0604020202020204" pitchFamily="34" charset="0"/>
+            </a:endParaRPr>
+          </a:p>
+          <a:p>
+            <a:pPr eaLnBrk="0" fontAlgn="base" hangingPunct="0">
+              <a:lnSpc>
+                <a:spcPct val="100000"/>
+              </a:lnSpc>
+              <a:spcBef>
+                <a:spcPct val="0"/>
+              </a:spcBef>
+              <a:spcAft>
+                <a:spcPct val="0"/>
+              </a:spcAft>
+              <a:buSzTx/>
+            </a:pPr>
+            <a:r>
+              <a:rPr lang="nl-NL" sz="1600" i="1">
+                <a:latin typeface="Arial" panose="020B0604020202020204" pitchFamily="34" charset="0"/>
+                <a:cs typeface="Arial" panose="020B0604020202020204" pitchFamily="34" charset="0"/>
+              </a:rPr>
+              <a:t>Welke rollen spelen tijd, toeval en verrassingen?</a:t>
+            </a:r>
+          </a:p>
+          <a:p>
+            <a:pPr marL="0" indent="0" eaLnBrk="0" fontAlgn="base" hangingPunct="0">
+              <a:lnSpc>
+                <a:spcPct val="100000"/>
+              </a:lnSpc>
+              <a:spcBef>
+                <a:spcPct val="0"/>
+              </a:spcBef>
+              <a:spcAft>
+                <a:spcPct val="0"/>
+              </a:spcAft>
+              <a:buSzTx/>
+              <a:buNone/>
+            </a:pPr>
+            <a:endParaRPr lang="en-US" altLang="en-US" sz="1600" i="1">
+              <a:latin typeface="Arial" panose="020B0604020202020204" pitchFamily="34" charset="0"/>
+            </a:endParaRPr>
           </a:p>
         </p:txBody>
       </p:sp>
@@ -13489,23 +12942,16 @@
           <a:lstStyle/>
           <a:p>
             <a:r>
-              <a:rPr lang="en-US" i="1">
-                <a:solidFill>
-                  <a:srgbClr val="FF0000"/>
-                </a:solidFill>
-              </a:rPr>
+              <a:rPr lang="en-US" i="1"/>
               <a:t>Een voorbeeld van een sprite (hoeft niet van game X te zijn)</a:t>
             </a:r>
           </a:p>
           <a:p>
             <a:r>
-              <a:rPr lang="en-US" i="1">
-                <a:solidFill>
-                  <a:srgbClr val="FF0000"/>
-                </a:solidFill>
-              </a:rPr>
-              <a:t>Bron waar je de afbeelding vandaan hebt.</a:t>
+              <a:rPr lang="nl-NL" i="1"/>
+              <a:t>Vermeld hier de bron van de afbeelding (link).</a:t>
             </a:r>
+            <a:endParaRPr lang="en-US" i="1"/>
           </a:p>
         </p:txBody>
       </p:sp>
@@ -13561,8 +13007,12 @@
           <a:lstStyle/>
           <a:p>
             <a:r>
+              <a:rPr lang="en-US"/>
+              <a:t>ESTHETIEK </a:t>
+            </a:r>
+            <a:r>
               <a:rPr lang="en-US" dirty="0"/>
-              <a:t>Artwork van game x</a:t>
+              <a:t>van game x</a:t>
             </a:r>
             <a:endParaRPr lang="nl-NL" dirty="0"/>
           </a:p>
@@ -13590,28 +13040,16 @@
           <a:lstStyle/>
           <a:p>
             <a:r>
-              <a:rPr lang="nl-NL" i="1">
-                <a:solidFill>
-                  <a:srgbClr val="FF0000"/>
-                </a:solidFill>
-              </a:rPr>
-              <a:t>Leg kort uit wat je van de esthetiek vind.</a:t>
+              <a:rPr lang="nl-NL" i="1"/>
+              <a:t>Leg kort uit wat je van de esthetiek (o.a. gameart) vindt.</a:t>
             </a:r>
           </a:p>
           <a:p>
             <a:r>
-              <a:rPr lang="nl-NL" i="1">
-                <a:solidFill>
-                  <a:srgbClr val="FF0000"/>
-                </a:solidFill>
-              </a:rPr>
-              <a:t>Voeg ook screenshots of muziek fragmenten toe.</a:t>
+              <a:rPr lang="nl-NL" i="1"/>
+              <a:t>Voeg ook screenshots of muziekfragmenten toe.</a:t>
             </a:r>
-            <a:endParaRPr lang="nl-NL" i="1" dirty="0">
-              <a:solidFill>
-                <a:srgbClr val="FF0000"/>
-              </a:solidFill>
-            </a:endParaRPr>
+            <a:endParaRPr lang="nl-NL" i="1" dirty="0"/>
           </a:p>
         </p:txBody>
       </p:sp>
@@ -13699,9 +13137,12 @@
           <a:bodyPr/>
           <a:lstStyle/>
           <a:p>
-            <a:pPr marL="0" indent="0">
-              <a:buNone/>
-            </a:pPr>
+            <a:r>
+              <a:rPr lang="nl-NL" i="1"/>
+              <a:t>Korte samenvatting van het verhaal achter game X.</a:t>
+            </a:r>
+          </a:p>
+          <a:p>
             <a:endParaRPr lang="nl-NL" dirty="0"/>
           </a:p>
         </p:txBody>
@@ -13741,7 +13182,7 @@
           <p:cNvPr id="2" name="Title 1">
             <a:extLst>
               <a:ext uri="{FF2B5EF4-FFF2-40B4-BE49-F238E27FC236}">
-                <a16:creationId xmlns:a16="http://schemas.microsoft.com/office/drawing/2014/main" id="{8FA6F41F-864D-4DE0-B3C4-4976B304998F}"/>
+                <a16:creationId xmlns:a16="http://schemas.microsoft.com/office/drawing/2014/main" id="{2276BE49-6714-464D-A8F3-171F02FB34D3}"/>
               </a:ext>
             </a:extLst>
           </p:cNvPr>
@@ -13758,8 +13199,12 @@
           <a:lstStyle/>
           <a:p>
             <a:r>
+              <a:rPr lang="nl-NL" dirty="0"/>
+              <a:t>Technologie van</a:t>
+            </a:r>
+            <a:r>
               <a:rPr lang="en-US" dirty="0"/>
-              <a:t>De mechanics van game x</a:t>
+              <a:t> game x</a:t>
             </a:r>
             <a:endParaRPr lang="nl-NL" dirty="0"/>
           </a:p>
@@ -13770,7 +13215,7 @@
           <p:cNvPr id="3" name="Content Placeholder 2">
             <a:extLst>
               <a:ext uri="{FF2B5EF4-FFF2-40B4-BE49-F238E27FC236}">
-                <a16:creationId xmlns:a16="http://schemas.microsoft.com/office/drawing/2014/main" id="{5CBE1342-2B6A-4172-A8B3-ED4B18E7E990}"/>
+                <a16:creationId xmlns:a16="http://schemas.microsoft.com/office/drawing/2014/main" id="{81D2AC21-F858-4D03-B392-B946F61EC69E}"/>
               </a:ext>
             </a:extLst>
           </p:cNvPr>
@@ -13786,9 +13231,16 @@
           <a:bodyPr/>
           <a:lstStyle/>
           <a:p>
-            <a:pPr marL="0" indent="0">
-              <a:buNone/>
-            </a:pPr>
+            <a:r>
+              <a:rPr lang="en-US" i="1"/>
+              <a:t>Welke game-engine is gebruikt?</a:t>
+            </a:r>
+          </a:p>
+          <a:p>
+            <a:r>
+              <a:rPr lang="nl-NL" i="1"/>
+              <a:t>Zijn er speciale apparaten gebruikt zoals een console, VR-bril, etc.?</a:t>
+            </a:r>
             <a:endParaRPr lang="nl-NL" dirty="0"/>
           </a:p>
         </p:txBody>
@@ -13796,7 +13248,7 @@
     </p:spTree>
     <p:extLst>
       <p:ext uri="{BB962C8B-B14F-4D97-AF65-F5344CB8AC3E}">
-        <p14:creationId xmlns:p14="http://schemas.microsoft.com/office/powerpoint/2010/main" val="3070249612"/>
+        <p14:creationId xmlns:p14="http://schemas.microsoft.com/office/powerpoint/2010/main" val="3509072479"/>
       </p:ext>
     </p:extLst>
   </p:cSld>
@@ -13828,7 +13280,7 @@
           <p:cNvPr id="2" name="Title 1">
             <a:extLst>
               <a:ext uri="{FF2B5EF4-FFF2-40B4-BE49-F238E27FC236}">
-                <a16:creationId xmlns:a16="http://schemas.microsoft.com/office/drawing/2014/main" id="{2276BE49-6714-464D-A8F3-171F02FB34D3}"/>
+                <a16:creationId xmlns:a16="http://schemas.microsoft.com/office/drawing/2014/main" id="{8FA6F41F-864D-4DE0-B3C4-4976B304998F}"/>
               </a:ext>
             </a:extLst>
           </p:cNvPr>
@@ -13845,12 +13297,8 @@
           <a:lstStyle/>
           <a:p>
             <a:r>
-              <a:rPr lang="nl-NL" dirty="0"/>
-              <a:t>Technologie van</a:t>
-            </a:r>
-            <a:r>
               <a:rPr lang="en-US" dirty="0"/>
-              <a:t> game x</a:t>
+              <a:t>De mechanics van game x</a:t>
             </a:r>
             <a:endParaRPr lang="nl-NL" dirty="0"/>
           </a:p>
@@ -13861,7 +13309,7 @@
           <p:cNvPr id="3" name="Content Placeholder 2">
             <a:extLst>
               <a:ext uri="{FF2B5EF4-FFF2-40B4-BE49-F238E27FC236}">
-                <a16:creationId xmlns:a16="http://schemas.microsoft.com/office/drawing/2014/main" id="{81D2AC21-F858-4D03-B392-B946F61EC69E}"/>
+                <a16:creationId xmlns:a16="http://schemas.microsoft.com/office/drawing/2014/main" id="{5CBE1342-2B6A-4172-A8B3-ED4B18E7E990}"/>
               </a:ext>
             </a:extLst>
           </p:cNvPr>
@@ -13874,20 +13322,46 @@
         </p:nvSpPr>
         <p:spPr/>
         <p:txBody>
-          <a:bodyPr/>
+          <a:bodyPr>
+            <a:normAutofit fontScale="92500"/>
+          </a:bodyPr>
           <a:lstStyle/>
           <a:p>
-            <a:pPr marL="0" indent="0">
-              <a:buNone/>
-            </a:pPr>
-            <a:endParaRPr lang="nl-NL" dirty="0"/>
+            <a:r>
+              <a:rPr lang="nl-NL" i="1"/>
+              <a:t>Hoe werkt het spel? Welke acties, regels en feedback zijn er?</a:t>
+            </a:r>
+          </a:p>
+          <a:p>
+            <a:r>
+              <a:rPr lang="nl-NL" i="1"/>
+              <a:t>Welke objecten komen er voor (zoals spelers, ballen, muren, kogels, ... )</a:t>
+            </a:r>
+          </a:p>
+          <a:p>
+            <a:r>
+              <a:rPr lang="nl-NL" i="1"/>
+              <a:t>Wat kan een object doen? (zoals paddle kan omhoog/omlaag)</a:t>
+            </a:r>
+          </a:p>
+          <a:p>
+            <a:r>
+              <a:rPr lang="nl-NL" i="1"/>
+              <a:t>Welke regels zijn er? (zoals: als de bal de paddle raakt, kaatst hij terug; als de bal de muur raakt, scoort de tegenstander)</a:t>
+            </a:r>
+          </a:p>
+          <a:p>
+            <a:r>
+              <a:rPr lang="nl-NL" i="1"/>
+              <a:t>Wat laat het spel zien of horen om de speler te informeren? (zoals: Een pinggeluid als de bal de paddle raakt, of de score die zichtbaar oploopt als iemand scoort)</a:t>
+            </a:r>
           </a:p>
         </p:txBody>
       </p:sp>
     </p:spTree>
     <p:extLst>
       <p:ext uri="{BB962C8B-B14F-4D97-AF65-F5344CB8AC3E}">
-        <p14:creationId xmlns:p14="http://schemas.microsoft.com/office/powerpoint/2010/main" val="3509072479"/>
+        <p14:creationId xmlns:p14="http://schemas.microsoft.com/office/powerpoint/2010/main" val="3070249612"/>
       </p:ext>
     </p:extLst>
   </p:cSld>
@@ -13916,10 +13390,10 @@
       </p:grpSpPr>
       <p:sp>
         <p:nvSpPr>
-          <p:cNvPr id="2" name="Title 1">
+          <p:cNvPr id="2" name="Titel 1">
             <a:extLst>
               <a:ext uri="{FF2B5EF4-FFF2-40B4-BE49-F238E27FC236}">
-                <a16:creationId xmlns:a16="http://schemas.microsoft.com/office/drawing/2014/main" id="{647D17C3-D8BC-4D0D-9221-00F27772EE12}"/>
+                <a16:creationId xmlns:a16="http://schemas.microsoft.com/office/drawing/2014/main" id="{31FDB0D3-510C-7BE9-1B21-1A79F3DB1DA1}"/>
               </a:ext>
             </a:extLst>
           </p:cNvPr>
@@ -13936,22 +13410,18 @@
           <a:lstStyle/>
           <a:p>
             <a:r>
-              <a:rPr lang="en-US" dirty="0"/>
-              <a:t>Game x: </a:t>
-            </a:r>
-            <a:r>
-              <a:rPr lang="nl-NL" dirty="0"/>
-              <a:t>Concept</a:t>
+              <a:rPr lang="en-US"/>
+              <a:t>Toestandsdiagram</a:t>
             </a:r>
           </a:p>
         </p:txBody>
       </p:sp>
       <p:sp>
         <p:nvSpPr>
-          <p:cNvPr id="3" name="Content Placeholder 2">
+          <p:cNvPr id="3" name="Tijdelijke aanduiding voor inhoud 2">
             <a:extLst>
               <a:ext uri="{FF2B5EF4-FFF2-40B4-BE49-F238E27FC236}">
-                <a16:creationId xmlns:a16="http://schemas.microsoft.com/office/drawing/2014/main" id="{2D0BCBFD-2A0F-4D71-B7D3-097640B04F78}"/>
+                <a16:creationId xmlns:a16="http://schemas.microsoft.com/office/drawing/2014/main" id="{1C3D9D5C-FC50-DDBC-95B9-9AE0BB782BE9}"/>
               </a:ext>
             </a:extLst>
           </p:cNvPr>
@@ -13967,107 +13437,60 @@
           <a:bodyPr/>
           <a:lstStyle/>
           <a:p>
-            <a:pPr marL="0" indent="0">
-              <a:buNone/>
-            </a:pPr>
-            <a:endParaRPr lang="nl-NL" dirty="0"/>
+            <a:r>
+              <a:rPr lang="nl-NL" i="1"/>
+              <a:t>Plak hier een screenshot/foto van je toestandsdiagram. </a:t>
+            </a:r>
+          </a:p>
+          <a:p>
+            <a:r>
+              <a:rPr lang="en-US" i="1"/>
+              <a:t>Geef minstens 5 toestanden die het spel kan hebben.</a:t>
+            </a:r>
+          </a:p>
+          <a:p>
+            <a:r>
+              <a:rPr lang="nl-NL" i="1"/>
+              <a:t>Op de pijlen aangeven waardoor de toestand verandert</a:t>
+            </a:r>
+          </a:p>
+          <a:p>
+            <a:r>
+              <a:rPr lang="nl-NL" i="1"/>
+              <a:t>Tips:</a:t>
+            </a:r>
+          </a:p>
+          <a:p>
+            <a:pPr lvl="1"/>
+            <a:r>
+              <a:rPr lang="nl-NL" i="1"/>
+              <a:t>Tool voor toestandsdiagram: </a:t>
+            </a:r>
+            <a:r>
+              <a:rPr lang="nl-NL" i="1">
+                <a:hlinkClick r:id="rId2"/>
+              </a:rPr>
+              <a:t>https://madebyevan.com/fsm/</a:t>
+            </a:r>
+            <a:r>
+              <a:rPr lang="nl-NL" i="1"/>
+              <a:t>“</a:t>
+            </a:r>
+          </a:p>
+          <a:p>
+            <a:pPr lvl="1"/>
+            <a:r>
+              <a:rPr lang="nl-NL" i="1"/>
+              <a:t>Screenshot in Windows: Windows+Shift+S.</a:t>
+            </a:r>
+            <a:endParaRPr lang="en-US" i="1"/>
           </a:p>
         </p:txBody>
       </p:sp>
     </p:spTree>
     <p:extLst>
       <p:ext uri="{BB962C8B-B14F-4D97-AF65-F5344CB8AC3E}">
-        <p14:creationId xmlns:p14="http://schemas.microsoft.com/office/powerpoint/2010/main" val="3346680666"/>
-      </p:ext>
-    </p:extLst>
-  </p:cSld>
-  <p:clrMapOvr>
-    <a:masterClrMapping/>
-  </p:clrMapOvr>
-</p:sld>
-</file>
-
-<file path=ppt/slides/slide9.xml><?xml version="1.0" encoding="utf-8"?>
-<p:sld xmlns:a="http://schemas.openxmlformats.org/drawingml/2006/main" xmlns:r="http://schemas.openxmlformats.org/officeDocument/2006/relationships" xmlns:p="http://schemas.openxmlformats.org/presentationml/2006/main">
-  <p:cSld>
-    <p:spTree>
-      <p:nvGrpSpPr>
-        <p:cNvPr id="1" name=""/>
-        <p:cNvGrpSpPr/>
-        <p:nvPr/>
-      </p:nvGrpSpPr>
-      <p:grpSpPr>
-        <a:xfrm>
-          <a:off x="0" y="0"/>
-          <a:ext cx="0" cy="0"/>
-          <a:chOff x="0" y="0"/>
-          <a:chExt cx="0" cy="0"/>
-        </a:xfrm>
-      </p:grpSpPr>
-      <p:sp>
-        <p:nvSpPr>
-          <p:cNvPr id="2" name="Title 1">
-            <a:extLst>
-              <a:ext uri="{FF2B5EF4-FFF2-40B4-BE49-F238E27FC236}">
-                <a16:creationId xmlns:a16="http://schemas.microsoft.com/office/drawing/2014/main" id="{DC50D61E-F134-42D3-9B51-0D1E9840DE03}"/>
-              </a:ext>
-            </a:extLst>
-          </p:cNvPr>
-          <p:cNvSpPr>
-            <a:spLocks noGrp="1"/>
-          </p:cNvSpPr>
-          <p:nvPr>
-            <p:ph type="title"/>
-          </p:nvPr>
-        </p:nvSpPr>
-        <p:spPr/>
-        <p:txBody>
-          <a:bodyPr/>
-          <a:lstStyle/>
-          <a:p>
-            <a:r>
-              <a:rPr lang="en-US" dirty="0"/>
-              <a:t>Game x: </a:t>
-            </a:r>
-            <a:r>
-              <a:rPr lang="nl-NL" dirty="0"/>
-              <a:t>acties, regels &amp; feedback</a:t>
-            </a:r>
-          </a:p>
-        </p:txBody>
-      </p:sp>
-      <p:sp>
-        <p:nvSpPr>
-          <p:cNvPr id="3" name="Content Placeholder 2">
-            <a:extLst>
-              <a:ext uri="{FF2B5EF4-FFF2-40B4-BE49-F238E27FC236}">
-                <a16:creationId xmlns:a16="http://schemas.microsoft.com/office/drawing/2014/main" id="{6582D380-880F-42A1-905F-09ED41BBAEA7}"/>
-              </a:ext>
-            </a:extLst>
-          </p:cNvPr>
-          <p:cNvSpPr>
-            <a:spLocks noGrp="1"/>
-          </p:cNvSpPr>
-          <p:nvPr>
-            <p:ph idx="1"/>
-          </p:nvPr>
-        </p:nvSpPr>
-        <p:spPr/>
-        <p:txBody>
-          <a:bodyPr/>
-          <a:lstStyle/>
-          <a:p>
-            <a:pPr marL="0" indent="0">
-              <a:buNone/>
-            </a:pPr>
-            <a:endParaRPr lang="nl-NL" dirty="0"/>
-          </a:p>
-        </p:txBody>
-      </p:sp>
-    </p:spTree>
-    <p:extLst>
-      <p:ext uri="{BB962C8B-B14F-4D97-AF65-F5344CB8AC3E}">
-        <p14:creationId xmlns:p14="http://schemas.microsoft.com/office/powerpoint/2010/main" val="905490407"/>
+        <p14:creationId xmlns:p14="http://schemas.microsoft.com/office/powerpoint/2010/main" val="3383775828"/>
       </p:ext>
     </p:extLst>
   </p:cSld>
